--- a/final/docs/presentation-keycloak-kafka-streams.pptx
+++ b/final/docs/presentation-keycloak-kafka-streams.pptx
@@ -800,7 +800,7 @@
         <p:txBody>
           <a:bodyPr/>
           <a:p>
-            <a:fld id="{EC1B8A60-5645-406B-8C8B-7FB945EC0713}" type="slidenum">
+            <a:fld id="{31E99387-3335-4AD0-8C39-E2D3E1022683}" type="slidenum">
               <a:t>&lt;#&gt;</a:t>
             </a:fld>
           </a:p>
@@ -922,7 +922,7 @@
         <p:txBody>
           <a:bodyPr/>
           <a:p>
-            <a:fld id="{D1689FDF-8B8E-45C2-93C8-3DD692FE9F97}" type="slidenum">
+            <a:fld id="{F0724F29-4945-4790-9380-29E9CCAF53F6}" type="slidenum">
               <a:t>&lt;#&gt;</a:t>
             </a:fld>
           </a:p>
@@ -1047,7 +1047,7 @@
         <p:txBody>
           <a:bodyPr/>
           <a:p>
-            <a:fld id="{33AFD07B-6E94-436F-A36C-BFA83184AE84}" type="slidenum">
+            <a:fld id="{C351097B-7989-4C20-974D-A510414D91FA}" type="slidenum">
               <a:t>&lt;#&gt;</a:t>
             </a:fld>
           </a:p>
@@ -1215,7 +1215,7 @@
         <p:txBody>
           <a:bodyPr/>
           <a:p>
-            <a:fld id="{006C50EF-9E74-4599-A21B-2E8E14E1A594}" type="slidenum">
+            <a:fld id="{90476966-A0B8-4BB7-9714-A47E2565520A}" type="slidenum">
               <a:t>&lt;#&gt;</a:t>
             </a:fld>
           </a:p>
@@ -1297,7 +1297,7 @@
         <p:txBody>
           <a:bodyPr/>
           <a:p>
-            <a:fld id="{5560A7D1-77F4-42A7-A46B-B4F87263DF56}" type="slidenum">
+            <a:fld id="{6956E92A-B8D2-4847-982B-93C02FE3E3AC}" type="slidenum">
               <a:t>&lt;#&gt;</a:t>
             </a:fld>
           </a:p>
@@ -1377,7 +1377,7 @@
         <p:txBody>
           <a:bodyPr/>
           <a:p>
-            <a:fld id="{5D1A16F0-8215-4233-A64A-4E6DB03115BE}" type="slidenum">
+            <a:fld id="{0B975C83-964C-4E9E-A3D7-31D924E9398C}" type="slidenum">
               <a:t>&lt;#&gt;</a:t>
             </a:fld>
           </a:p>
@@ -1588,7 +1588,7 @@
         <p:txBody>
           <a:bodyPr/>
           <a:p>
-            <a:fld id="{80569E7F-4D45-4FE5-B3DE-AE6BB6AA16DC}" type="slidenum">
+            <a:fld id="{09853454-33AA-485D-8823-F9CF3FB37FAC}" type="slidenum">
               <a:t>&lt;#&gt;</a:t>
             </a:fld>
           </a:p>
@@ -1901,7 +1901,7 @@
         <p:txBody>
           <a:bodyPr/>
           <a:p>
-            <a:fld id="{205A34E8-7E52-4EF5-86C3-A43BF731B9DF}" type="slidenum">
+            <a:fld id="{B344D3AC-FF46-4F21-BC82-0BEAEE680400}" type="slidenum">
               <a:t>&lt;#&gt;</a:t>
             </a:fld>
           </a:p>
@@ -2112,7 +2112,7 @@
         <p:txBody>
           <a:bodyPr/>
           <a:p>
-            <a:fld id="{33906625-AB74-446F-92C2-6D8934BB8A07}" type="slidenum">
+            <a:fld id="{39641B9A-5CA2-4F6A-8A63-C3B8DB7D3742}" type="slidenum">
               <a:t>&lt;#&gt;</a:t>
             </a:fld>
           </a:p>
@@ -2280,7 +2280,7 @@
         <p:txBody>
           <a:bodyPr/>
           <a:p>
-            <a:fld id="{E1EBC605-A1F9-45E6-9ABA-6151FB3E37ED}" type="slidenum">
+            <a:fld id="{9E1F8C51-8FD3-42ED-B0C8-7B65D55CF101}" type="slidenum">
               <a:t>&lt;#&gt;</a:t>
             </a:fld>
           </a:p>
@@ -2534,7 +2534,7 @@
         <p:txBody>
           <a:bodyPr/>
           <a:p>
-            <a:fld id="{16330895-FDD1-4BAB-9BFC-44AFB880E10E}" type="slidenum">
+            <a:fld id="{4ACBA3F5-96F4-47FA-949B-F768CB4A9B59}" type="slidenum">
               <a:t>&lt;#&gt;</a:t>
             </a:fld>
           </a:p>
@@ -2874,7 +2874,7 @@
         <p:txBody>
           <a:bodyPr/>
           <a:p>
-            <a:fld id="{13E4993E-AEAC-4FA8-83DC-43AE67604986}" type="slidenum">
+            <a:fld id="{9860A327-C14A-46D3-BFA6-2EED3AF9D6A1}" type="slidenum">
               <a:t>&lt;#&gt;</a:t>
             </a:fld>
           </a:p>
@@ -2916,7 +2916,7 @@
         <p:txBody>
           <a:bodyPr/>
           <a:p>
-            <a:fld id="{193497EE-9C31-4664-B54D-842ECDE23C03}" type="slidenum">
+            <a:fld id="{61CF6506-8364-4728-AFB1-454106C340D4}" type="slidenum">
               <a:t>&lt;#&gt;</a:t>
             </a:fld>
           </a:p>
@@ -3038,7 +3038,7 @@
         <p:txBody>
           <a:bodyPr/>
           <a:p>
-            <a:fld id="{511D481E-97C2-49C5-ACE0-80D36A1D1ADB}" type="slidenum">
+            <a:fld id="{0D052740-069E-4D78-A637-72931722D3FF}" type="slidenum">
               <a:t>&lt;#&gt;</a:t>
             </a:fld>
           </a:p>
@@ -3163,7 +3163,7 @@
         <p:txBody>
           <a:bodyPr/>
           <a:p>
-            <a:fld id="{A7692956-D2A6-498E-88B1-10E6D55E9C2E}" type="slidenum">
+            <a:fld id="{182AA7E9-C709-47F7-8978-B41428A669DF}" type="slidenum">
               <a:t>&lt;#&gt;</a:t>
             </a:fld>
           </a:p>
@@ -3331,7 +3331,7 @@
         <p:txBody>
           <a:bodyPr/>
           <a:p>
-            <a:fld id="{8A5D4DEB-61CF-41CA-BE30-F174461A639D}" type="slidenum">
+            <a:fld id="{57632CC4-969C-4E6F-82BA-8FF1BB2538E8}" type="slidenum">
               <a:t>&lt;#&gt;</a:t>
             </a:fld>
           </a:p>
@@ -3413,7 +3413,7 @@
         <p:txBody>
           <a:bodyPr/>
           <a:p>
-            <a:fld id="{1C7A9D83-97BF-49EB-BC48-507C15AD5565}" type="slidenum">
+            <a:fld id="{0BBD3D26-013C-4310-8694-12F19167F91E}" type="slidenum">
               <a:t>&lt;#&gt;</a:t>
             </a:fld>
           </a:p>
@@ -3598,7 +3598,7 @@
         <p:txBody>
           <a:bodyPr/>
           <a:p>
-            <a:fld id="{49E7A8D2-11D4-4736-A8BE-C4D40424B482}" type="slidenum">
+            <a:fld id="{76EFAB7D-9CB7-4226-831B-34D6B91EAF62}" type="slidenum">
               <a:t>&lt;#&gt;</a:t>
             </a:fld>
           </a:p>
@@ -3809,7 +3809,7 @@
         <p:txBody>
           <a:bodyPr/>
           <a:p>
-            <a:fld id="{4E32F030-4704-4474-90A0-07D9D1397F0C}" type="slidenum">
+            <a:fld id="{72523BB0-82AB-458C-870B-98808AAB77E4}" type="slidenum">
               <a:t>&lt;#&gt;</a:t>
             </a:fld>
           </a:p>
@@ -4020,7 +4020,7 @@
         <p:txBody>
           <a:bodyPr/>
           <a:p>
-            <a:fld id="{E4B78762-000D-46B7-8670-88481742F9C3}" type="slidenum">
+            <a:fld id="{003E42BC-4D63-41BB-80F1-17927D9EA8E0}" type="slidenum">
               <a:t>&lt;#&gt;</a:t>
             </a:fld>
           </a:p>
@@ -4231,7 +4231,7 @@
         <p:txBody>
           <a:bodyPr/>
           <a:p>
-            <a:fld id="{4EB3ABB0-79FC-4CFC-93AE-34772D610B08}" type="slidenum">
+            <a:fld id="{D13D06B3-72E5-46A2-AE45-42B2642ABFB8}" type="slidenum">
               <a:t>&lt;#&gt;</a:t>
             </a:fld>
           </a:p>
@@ -4399,7 +4399,7 @@
         <p:txBody>
           <a:bodyPr/>
           <a:p>
-            <a:fld id="{CCAB8D81-9DCF-4D1A-A297-69586BCB816D}" type="slidenum">
+            <a:fld id="{BDA5B2B9-58BD-45B6-84FA-CC96641C99E7}" type="slidenum">
               <a:t>&lt;#&gt;</a:t>
             </a:fld>
           </a:p>
@@ -4653,7 +4653,7 @@
         <p:txBody>
           <a:bodyPr/>
           <a:p>
-            <a:fld id="{355E5E90-7A7D-4B0F-944E-F71D2001DE81}" type="slidenum">
+            <a:fld id="{AC884932-2A49-4AD7-8368-A04EC4CF11AD}" type="slidenum">
               <a:t>&lt;#&gt;</a:t>
             </a:fld>
           </a:p>
@@ -4993,7 +4993,7 @@
         <p:txBody>
           <a:bodyPr/>
           <a:p>
-            <a:fld id="{68054920-B315-40A1-8BBE-5140C999F748}" type="slidenum">
+            <a:fld id="{D15289F3-09F0-4F64-BC85-4F2D0332F8F2}" type="slidenum">
               <a:t>&lt;#&gt;</a:t>
             </a:fld>
           </a:p>
@@ -6957,7 +6957,7 @@
         <p:txBody>
           <a:bodyPr/>
           <a:p>
-            <a:fld id="{60DBD419-BCA2-432F-9675-4F1420F1B075}" type="slidenum">
+            <a:fld id="{FDFB8EDF-71A3-41B5-9178-79A0C5794423}" type="slidenum">
               <a:t>&lt;#&gt;</a:t>
             </a:fld>
           </a:p>
@@ -7141,7 +7141,7 @@
         <p:txBody>
           <a:bodyPr/>
           <a:p>
-            <a:fld id="{7048BB7F-7F7D-4C06-9C80-EB030E8F3921}" type="slidenum">
+            <a:fld id="{0E38A871-A71A-4B91-88A2-EE9AB926A531}" type="slidenum">
               <a:t>&lt;#&gt;</a:t>
             </a:fld>
           </a:p>
@@ -7266,7 +7266,7 @@
         <p:txBody>
           <a:bodyPr/>
           <a:p>
-            <a:fld id="{4A9ABDA0-A8F2-46AC-8A7E-F710F9CB5227}" type="slidenum">
+            <a:fld id="{EE226651-8920-45BE-94E3-337E7159F491}" type="slidenum">
               <a:t>&lt;#&gt;</a:t>
             </a:fld>
           </a:p>
@@ -7434,7 +7434,7 @@
         <p:txBody>
           <a:bodyPr/>
           <a:p>
-            <a:fld id="{1C6AC38B-A6B8-4D30-8B10-AFABFEC5FAD0}" type="slidenum">
+            <a:fld id="{FFFF266E-198B-4839-8C84-FB9D6D971E68}" type="slidenum">
               <a:t>&lt;#&gt;</a:t>
             </a:fld>
           </a:p>
@@ -7516,7 +7516,7 @@
         <p:txBody>
           <a:bodyPr/>
           <a:p>
-            <a:fld id="{90EB4B14-2FEB-47AF-863F-15328575AEB1}" type="slidenum">
+            <a:fld id="{071F61C0-736A-4A86-8ABE-C3637487A37E}" type="slidenum">
               <a:t>&lt;#&gt;</a:t>
             </a:fld>
           </a:p>
@@ -7596,7 +7596,7 @@
         <p:txBody>
           <a:bodyPr/>
           <a:p>
-            <a:fld id="{C2CEDE97-4830-4DC9-9B79-E5C3ABEA81F6}" type="slidenum">
+            <a:fld id="{6B1A9DAD-4844-4DB7-BC33-C8082E4FFE09}" type="slidenum">
               <a:t>&lt;#&gt;</a:t>
             </a:fld>
           </a:p>
@@ -7807,7 +7807,7 @@
         <p:txBody>
           <a:bodyPr/>
           <a:p>
-            <a:fld id="{33E99900-76EA-4400-9D09-337127E02593}" type="slidenum">
+            <a:fld id="{94A4A516-86E4-4900-ADC6-980CA9AE4076}" type="slidenum">
               <a:t>&lt;#&gt;</a:t>
             </a:fld>
           </a:p>
@@ -8018,7 +8018,7 @@
         <p:txBody>
           <a:bodyPr/>
           <a:p>
-            <a:fld id="{CBCCF169-4B2B-4C26-844E-D37671866D73}" type="slidenum">
+            <a:fld id="{2A80D207-CAF0-4ECE-B9CF-34B986F43BC6}" type="slidenum">
               <a:t>&lt;#&gt;</a:t>
             </a:fld>
           </a:p>
@@ -8229,7 +8229,7 @@
         <p:txBody>
           <a:bodyPr/>
           <a:p>
-            <a:fld id="{FA81F807-A8BB-4819-B7C7-3C19A877EB57}" type="slidenum">
+            <a:fld id="{70CA2BA9-FC21-4225-9A44-061E1C9E09DB}" type="slidenum">
               <a:t>&lt;#&gt;</a:t>
             </a:fld>
           </a:p>
@@ -8397,7 +8397,7 @@
         <p:txBody>
           <a:bodyPr/>
           <a:p>
-            <a:fld id="{50C7DEC3-4E02-421B-8496-BE7125AD90BC}" type="slidenum">
+            <a:fld id="{A0F8A10E-9DCD-4FB2-9E90-CD8A635F1B99}" type="slidenum">
               <a:t>&lt;#&gt;</a:t>
             </a:fld>
           </a:p>
@@ -8651,7 +8651,7 @@
         <p:txBody>
           <a:bodyPr/>
           <a:p>
-            <a:fld id="{0A2AACF0-6519-4ED0-9C4D-346434C22B80}" type="slidenum">
+            <a:fld id="{DD382D89-4280-4AFF-A87D-01338985E7AD}" type="slidenum">
               <a:t>&lt;#&gt;</a:t>
             </a:fld>
           </a:p>
@@ -9051,7 +9051,7 @@
         <p:txBody>
           <a:bodyPr/>
           <a:p>
-            <a:fld id="{7CDBCE0F-5132-45FB-8E93-6E2F238935E8}" type="slidenum">
+            <a:fld id="{0473AFC0-AE9F-4018-97DD-0E962A35400E}" type="slidenum">
               <a:t>&lt;#&gt;</a:t>
             </a:fld>
           </a:p>
@@ -9674,7 +9674,7 @@
         <p:spPr>
           <a:xfrm>
             <a:off x="-18000" y="-10080"/>
-            <a:ext cx="9193320" cy="5180760"/>
+            <a:ext cx="9192600" cy="5180040"/>
           </a:xfrm>
           <a:prstGeom prst="rect">
             <a:avLst/>
@@ -10304,7 +10304,7 @@
         <p:spPr>
           <a:xfrm>
             <a:off x="8472600" y="4663080"/>
-            <a:ext cx="547200" cy="392040"/>
+            <a:ext cx="546480" cy="391320"/>
           </a:xfrm>
           <a:prstGeom prst="rect">
             <a:avLst/>
@@ -10346,7 +10346,7 @@
                 <a:tab algn="l" pos="0"/>
               </a:tabLst>
             </a:pPr>
-            <a:fld id="{C2018AA9-2D9B-42AF-9518-339EA3E10ECB}" type="slidenum">
+            <a:fld id="{CD901349-C8F7-454F-8A24-AC1084A6A428}" type="slidenum">
               <a:rPr b="0" lang="ru" sz="1000" spc="-1" strike="noStrike">
                 <a:solidFill>
                   <a:schemeClr val="dk2"/>
@@ -11010,160 +11010,7 @@
                 </a:solidFill>
                 <a:latin typeface="Arial"/>
               </a:rPr>
-              <a:t>C</a:t>
-            </a:r>
-            <a:r>
-              <a:rPr b="0" lang="en-US" sz="1800" spc="-1" strike="noStrike">
-                <a:solidFill>
-                  <a:srgbClr val="000000"/>
-                </a:solidFill>
-                <a:latin typeface="Arial"/>
-              </a:rPr>
-              <a:t>li</a:t>
-            </a:r>
-            <a:r>
-              <a:rPr b="0" lang="en-US" sz="1800" spc="-1" strike="noStrike">
-                <a:solidFill>
-                  <a:srgbClr val="000000"/>
-                </a:solidFill>
-                <a:latin typeface="Arial"/>
-              </a:rPr>
-              <a:t>c</a:t>
-            </a:r>
-            <a:r>
-              <a:rPr b="0" lang="en-US" sz="1800" spc="-1" strike="noStrike">
-                <a:solidFill>
-                  <a:srgbClr val="000000"/>
-                </a:solidFill>
-                <a:latin typeface="Arial"/>
-              </a:rPr>
-              <a:t>k </a:t>
-            </a:r>
-            <a:r>
-              <a:rPr b="0" lang="en-US" sz="1800" spc="-1" strike="noStrike">
-                <a:solidFill>
-                  <a:srgbClr val="000000"/>
-                </a:solidFill>
-                <a:latin typeface="Arial"/>
-              </a:rPr>
-              <a:t>to </a:t>
-            </a:r>
-            <a:r>
-              <a:rPr b="0" lang="en-US" sz="1800" spc="-1" strike="noStrike">
-                <a:solidFill>
-                  <a:srgbClr val="000000"/>
-                </a:solidFill>
-                <a:latin typeface="Arial"/>
-              </a:rPr>
-              <a:t>e</a:t>
-            </a:r>
-            <a:r>
-              <a:rPr b="0" lang="en-US" sz="1800" spc="-1" strike="noStrike">
-                <a:solidFill>
-                  <a:srgbClr val="000000"/>
-                </a:solidFill>
-                <a:latin typeface="Arial"/>
-              </a:rPr>
-              <a:t>di</a:t>
-            </a:r>
-            <a:r>
-              <a:rPr b="0" lang="en-US" sz="1800" spc="-1" strike="noStrike">
-                <a:solidFill>
-                  <a:srgbClr val="000000"/>
-                </a:solidFill>
-                <a:latin typeface="Arial"/>
-              </a:rPr>
-              <a:t>t </a:t>
-            </a:r>
-            <a:r>
-              <a:rPr b="0" lang="en-US" sz="1800" spc="-1" strike="noStrike">
-                <a:solidFill>
-                  <a:srgbClr val="000000"/>
-                </a:solidFill>
-                <a:latin typeface="Arial"/>
-              </a:rPr>
-              <a:t>th</a:t>
-            </a:r>
-            <a:r>
-              <a:rPr b="0" lang="en-US" sz="1800" spc="-1" strike="noStrike">
-                <a:solidFill>
-                  <a:srgbClr val="000000"/>
-                </a:solidFill>
-                <a:latin typeface="Arial"/>
-              </a:rPr>
-              <a:t>e </a:t>
-            </a:r>
-            <a:r>
-              <a:rPr b="0" lang="en-US" sz="1800" spc="-1" strike="noStrike">
-                <a:solidFill>
-                  <a:srgbClr val="000000"/>
-                </a:solidFill>
-                <a:latin typeface="Arial"/>
-              </a:rPr>
-              <a:t>tit</a:t>
-            </a:r>
-            <a:r>
-              <a:rPr b="0" lang="en-US" sz="1800" spc="-1" strike="noStrike">
-                <a:solidFill>
-                  <a:srgbClr val="000000"/>
-                </a:solidFill>
-                <a:latin typeface="Arial"/>
-              </a:rPr>
-              <a:t>le </a:t>
-            </a:r>
-            <a:r>
-              <a:rPr b="0" lang="en-US" sz="1800" spc="-1" strike="noStrike">
-                <a:solidFill>
-                  <a:srgbClr val="000000"/>
-                </a:solidFill>
-                <a:latin typeface="Arial"/>
-              </a:rPr>
-              <a:t>te</a:t>
-            </a:r>
-            <a:r>
-              <a:rPr b="0" lang="en-US" sz="1800" spc="-1" strike="noStrike">
-                <a:solidFill>
-                  <a:srgbClr val="000000"/>
-                </a:solidFill>
-                <a:latin typeface="Arial"/>
-              </a:rPr>
-              <a:t>xt </a:t>
-            </a:r>
-            <a:r>
-              <a:rPr b="0" lang="en-US" sz="1800" spc="-1" strike="noStrike">
-                <a:solidFill>
-                  <a:srgbClr val="000000"/>
-                </a:solidFill>
-                <a:latin typeface="Arial"/>
-              </a:rPr>
-              <a:t>fo</a:t>
-            </a:r>
-            <a:r>
-              <a:rPr b="0" lang="en-US" sz="1800" spc="-1" strike="noStrike">
-                <a:solidFill>
-                  <a:srgbClr val="000000"/>
-                </a:solidFill>
-                <a:latin typeface="Arial"/>
-              </a:rPr>
-              <a:t>r</a:t>
-            </a:r>
-            <a:r>
-              <a:rPr b="0" lang="en-US" sz="1800" spc="-1" strike="noStrike">
-                <a:solidFill>
-                  <a:srgbClr val="000000"/>
-                </a:solidFill>
-                <a:latin typeface="Arial"/>
-              </a:rPr>
-              <a:t>m</a:t>
-            </a:r>
-            <a:r>
-              <a:rPr b="0" lang="en-US" sz="1800" spc="-1" strike="noStrike">
-                <a:solidFill>
-                  <a:srgbClr val="000000"/>
-                </a:solidFill>
-                <a:latin typeface="Arial"/>
-              </a:rPr>
-              <a:t>at</a:t>
+              <a:t>Click to edit the title text format</a:t>
             </a:r>
             <a:endParaRPr b="0" lang="en-US" sz="1800" spc="-1" strike="noStrike">
               <a:solidFill>
@@ -11637,7 +11484,7 @@
         <p:spPr>
           <a:xfrm>
             <a:off x="8472600" y="4663080"/>
-            <a:ext cx="547200" cy="392040"/>
+            <a:ext cx="546480" cy="391320"/>
           </a:xfrm>
           <a:prstGeom prst="rect">
             <a:avLst/>
@@ -11679,7 +11526,7 @@
                 <a:tab algn="l" pos="0"/>
               </a:tabLst>
             </a:pPr>
-            <a:fld id="{1BEC74F0-8858-4EE1-A7D1-E1D082EAFE10}" type="slidenum">
+            <a:fld id="{70EC5D43-CC4A-40B8-9113-6BE2B2566AB5}" type="slidenum">
               <a:rPr b="0" lang="ru" sz="1000" spc="-1" strike="noStrike">
                 <a:solidFill>
                   <a:schemeClr val="dk2"/>
@@ -11781,295 +11628,7 @@
                 </a:solidFill>
                 <a:latin typeface="Arial"/>
               </a:rPr>
-              <a:t>C</a:t>
-            </a:r>
-            <a:r>
-              <a:rPr b="0" lang="en-US" sz="4400" spc="-1" strike="noStrike">
-                <a:solidFill>
-                  <a:srgbClr val="000000"/>
-                </a:solidFill>
-                <a:latin typeface="Arial"/>
-              </a:rPr>
-              <a:t>l</a:t>
-            </a:r>
-            <a:r>
-              <a:rPr b="0" lang="en-US" sz="4400" spc="-1" strike="noStrike">
-                <a:solidFill>
-                  <a:srgbClr val="000000"/>
-                </a:solidFill>
-                <a:latin typeface="Arial"/>
-              </a:rPr>
-              <a:t>i</a:t>
-            </a:r>
-            <a:r>
-              <a:rPr b="0" lang="en-US" sz="4400" spc="-1" strike="noStrike">
-                <a:solidFill>
-                  <a:srgbClr val="000000"/>
-                </a:solidFill>
-                <a:latin typeface="Arial"/>
-              </a:rPr>
-              <a:t>c</a:t>
-            </a:r>
-            <a:r>
-              <a:rPr b="0" lang="en-US" sz="4400" spc="-1" strike="noStrike">
-                <a:solidFill>
-                  <a:srgbClr val="000000"/>
-                </a:solidFill>
-                <a:latin typeface="Arial"/>
-              </a:rPr>
-              <a:t>k</a:t>
-            </a:r>
-            <a:r>
-              <a:rPr b="0" lang="en-US" sz="4400" spc="-1" strike="noStrike">
-                <a:solidFill>
-                  <a:srgbClr val="000000"/>
-                </a:solidFill>
-                <a:latin typeface="Arial"/>
-              </a:rPr>
-              <a:t> </a:t>
-            </a:r>
-            <a:r>
-              <a:rPr b="0" lang="en-US" sz="4400" spc="-1" strike="noStrike">
-                <a:solidFill>
-                  <a:srgbClr val="000000"/>
-                </a:solidFill>
-                <a:latin typeface="Arial"/>
-              </a:rPr>
-              <a:t>t</a:t>
-            </a:r>
-            <a:r>
-              <a:rPr b="0" lang="en-US" sz="4400" spc="-1" strike="noStrike">
-                <a:solidFill>
-                  <a:srgbClr val="000000"/>
-                </a:solidFill>
-                <a:latin typeface="Arial"/>
-              </a:rPr>
-              <a:t>o</a:t>
-            </a:r>
-            <a:r>
-              <a:rPr b="0" lang="en-US" sz="4400" spc="-1" strike="noStrike">
-                <a:solidFill>
-                  <a:srgbClr val="000000"/>
-                </a:solidFill>
-                <a:latin typeface="Arial"/>
-              </a:rPr>
-              <a:t> </a:t>
-            </a:r>
-            <a:r>
-              <a:rPr b="0" lang="en-US" sz="4400" spc="-1" strike="noStrike">
-                <a:solidFill>
-                  <a:srgbClr val="000000"/>
-                </a:solidFill>
-                <a:latin typeface="Arial"/>
-              </a:rPr>
-              <a:t>e</a:t>
-            </a:r>
-            <a:r>
-              <a:rPr b="0" lang="en-US" sz="4400" spc="-1" strike="noStrike">
-                <a:solidFill>
-                  <a:srgbClr val="000000"/>
-                </a:solidFill>
-                <a:latin typeface="Arial"/>
-              </a:rPr>
-              <a:t>d</a:t>
-            </a:r>
-            <a:r>
-              <a:rPr b="0" lang="en-US" sz="4400" spc="-1" strike="noStrike">
-                <a:solidFill>
-                  <a:srgbClr val="000000"/>
-                </a:solidFill>
-                <a:latin typeface="Arial"/>
-              </a:rPr>
-              <a:t>i</a:t>
-            </a:r>
-            <a:r>
-              <a:rPr b="0" lang="en-US" sz="4400" spc="-1" strike="noStrike">
-                <a:solidFill>
-                  <a:srgbClr val="000000"/>
-                </a:solidFill>
-                <a:latin typeface="Arial"/>
-              </a:rPr>
-              <a:t>t </a:t>
-            </a:r>
-            <a:r>
-              <a:rPr b="0" lang="en-US" sz="4400" spc="-1" strike="noStrike">
-                <a:solidFill>
-                  <a:srgbClr val="000000"/>
-                </a:solidFill>
-                <a:latin typeface="Arial"/>
-              </a:rPr>
-              <a:t>t</a:t>
-            </a:r>
-            <a:r>
-              <a:rPr b="0" lang="en-US" sz="4400" spc="-1" strike="noStrike">
-                <a:solidFill>
-                  <a:srgbClr val="000000"/>
-                </a:solidFill>
-                <a:latin typeface="Arial"/>
-              </a:rPr>
-              <a:t>h</a:t>
-            </a:r>
-            <a:r>
-              <a:rPr b="0" lang="en-US" sz="4400" spc="-1" strike="noStrike">
-                <a:solidFill>
-                  <a:srgbClr val="000000"/>
-                </a:solidFill>
-                <a:latin typeface="Arial"/>
-              </a:rPr>
-              <a:t>e</a:t>
-            </a:r>
-            <a:r>
-              <a:rPr b="0" lang="en-US" sz="4400" spc="-1" strike="noStrike">
-                <a:solidFill>
-                  <a:srgbClr val="000000"/>
-                </a:solidFill>
-                <a:latin typeface="Arial"/>
-              </a:rPr>
-              <a:t> </a:t>
-            </a:r>
-            <a:r>
-              <a:rPr b="0" lang="en-US" sz="4400" spc="-1" strike="noStrike">
-                <a:solidFill>
-                  <a:srgbClr val="000000"/>
-                </a:solidFill>
-                <a:latin typeface="Arial"/>
-              </a:rPr>
-              <a:t>t</a:t>
-            </a:r>
-            <a:r>
-              <a:rPr b="0" lang="en-US" sz="4400" spc="-1" strike="noStrike">
-                <a:solidFill>
-                  <a:srgbClr val="000000"/>
-                </a:solidFill>
-                <a:latin typeface="Arial"/>
-              </a:rPr>
-              <a:t>i</a:t>
-            </a:r>
-            <a:r>
-              <a:rPr b="0" lang="en-US" sz="4400" spc="-1" strike="noStrike">
-                <a:solidFill>
-                  <a:srgbClr val="000000"/>
-                </a:solidFill>
-                <a:latin typeface="Arial"/>
-              </a:rPr>
-              <a:t>t</a:t>
-            </a:r>
-            <a:r>
-              <a:rPr b="0" lang="en-US" sz="4400" spc="-1" strike="noStrike">
-                <a:solidFill>
-                  <a:srgbClr val="000000"/>
-                </a:solidFill>
-                <a:latin typeface="Arial"/>
-              </a:rPr>
-              <a:t>l</a:t>
-            </a:r>
-            <a:r>
-              <a:rPr b="0" lang="en-US" sz="4400" spc="-1" strike="noStrike">
-                <a:solidFill>
-                  <a:srgbClr val="000000"/>
-                </a:solidFill>
-                <a:latin typeface="Arial"/>
-              </a:rPr>
-              <a:t>e</a:t>
-            </a:r>
-            <a:r>
-              <a:rPr b="0" lang="en-US" sz="4400" spc="-1" strike="noStrike">
-                <a:solidFill>
-                  <a:srgbClr val="000000"/>
-                </a:solidFill>
-                <a:latin typeface="Arial"/>
-              </a:rPr>
-              <a:t> </a:t>
-            </a:r>
-            <a:r>
-              <a:rPr b="0" lang="en-US" sz="4400" spc="-1" strike="noStrike">
-                <a:solidFill>
-                  <a:srgbClr val="000000"/>
-                </a:solidFill>
-                <a:latin typeface="Arial"/>
-              </a:rPr>
-              <a:t>t</a:t>
-            </a:r>
-            <a:r>
-              <a:rPr b="0" lang="en-US" sz="4400" spc="-1" strike="noStrike">
-                <a:solidFill>
-                  <a:srgbClr val="000000"/>
-                </a:solidFill>
-                <a:latin typeface="Arial"/>
-              </a:rPr>
-              <a:t>e</a:t>
-            </a:r>
-            <a:r>
-              <a:rPr b="0" lang="en-US" sz="4400" spc="-1" strike="noStrike">
-                <a:solidFill>
-                  <a:srgbClr val="000000"/>
-                </a:solidFill>
-                <a:latin typeface="Arial"/>
-              </a:rPr>
-              <a:t>x</a:t>
-            </a:r>
-            <a:r>
-              <a:rPr b="0" lang="en-US" sz="4400" spc="-1" strike="noStrike">
-                <a:solidFill>
-                  <a:srgbClr val="000000"/>
-                </a:solidFill>
-                <a:latin typeface="Arial"/>
-              </a:rPr>
-              <a:t>t </a:t>
-            </a:r>
-            <a:r>
-              <a:rPr b="0" lang="en-US" sz="4400" spc="-1" strike="noStrike">
-                <a:solidFill>
-                  <a:srgbClr val="000000"/>
-                </a:solidFill>
-                <a:latin typeface="Arial"/>
-              </a:rPr>
-              <a:t>f</a:t>
-            </a:r>
-            <a:r>
-              <a:rPr b="0" lang="en-US" sz="4400" spc="-1" strike="noStrike">
-                <a:solidFill>
-                  <a:srgbClr val="000000"/>
-                </a:solidFill>
-                <a:latin typeface="Arial"/>
-              </a:rPr>
-              <a:t>o</a:t>
-            </a:r>
-            <a:r>
-              <a:rPr b="0" lang="en-US" sz="4400" spc="-1" strike="noStrike">
-                <a:solidFill>
-                  <a:srgbClr val="000000"/>
-                </a:solidFill>
-                <a:latin typeface="Arial"/>
-              </a:rPr>
-              <a:t>r</a:t>
-            </a:r>
-            <a:r>
-              <a:rPr b="0" lang="en-US" sz="4400" spc="-1" strike="noStrike">
-                <a:solidFill>
-                  <a:srgbClr val="000000"/>
-                </a:solidFill>
-                <a:latin typeface="Arial"/>
-              </a:rPr>
-              <a:t>m</a:t>
-            </a:r>
-            <a:r>
-              <a:rPr b="0" lang="en-US" sz="4400" spc="-1" strike="noStrike">
-                <a:solidFill>
-                  <a:srgbClr val="000000"/>
-                </a:solidFill>
-                <a:latin typeface="Arial"/>
-              </a:rPr>
-              <a:t>a</a:t>
-            </a:r>
-            <a:r>
-              <a:rPr b="0" lang="en-US" sz="4400" spc="-1" strike="noStrike">
-                <a:solidFill>
-                  <a:srgbClr val="000000"/>
-                </a:solidFill>
-                <a:latin typeface="Arial"/>
-              </a:rPr>
-              <a:t>t</a:t>
+              <a:t>Click to edit the title text format</a:t>
             </a:r>
             <a:endParaRPr b="0" lang="en-US" sz="4400" spc="-1" strike="noStrike">
               <a:solidFill>
@@ -12363,7 +11922,7 @@
         <p:spPr>
           <a:xfrm>
             <a:off x="0" y="0"/>
-            <a:ext cx="9142560" cy="5142240"/>
+            <a:ext cx="9141840" cy="5141520"/>
           </a:xfrm>
           <a:prstGeom prst="rect">
             <a:avLst/>
@@ -12386,7 +11945,7 @@
         <p:spPr>
           <a:xfrm>
             <a:off x="8472600" y="4663080"/>
-            <a:ext cx="547200" cy="392040"/>
+            <a:ext cx="546480" cy="391320"/>
           </a:xfrm>
           <a:prstGeom prst="rect">
             <a:avLst/>
@@ -12428,7 +11987,7 @@
                 <a:tab algn="l" pos="0"/>
               </a:tabLst>
             </a:pPr>
-            <a:fld id="{1195EE7E-AB0C-46A7-B7D7-A62BEB898AFD}" type="slidenum">
+            <a:fld id="{294E9202-06BE-484C-94CA-EE478CC75C31}" type="slidenum">
               <a:rPr b="0" lang="ru" sz="1000" spc="-1" strike="noStrike">
                 <a:solidFill>
                   <a:schemeClr val="dk2"/>
@@ -12485,7 +12044,7 @@
                 </a:solidFill>
                 <a:latin typeface="Arial"/>
               </a:rPr>
-              <a:t>C</a:t>
+              <a:t>Click to edit the title text </a:t>
             </a:r>
             <a:r>
               <a:rPr b="0" lang="en-US" sz="4400" spc="-1" strike="noStrike">
@@ -12494,286 +12053,7 @@
                 </a:solidFill>
                 <a:latin typeface="Arial"/>
               </a:rPr>
-              <a:t>l</a:t>
-            </a:r>
-            <a:r>
-              <a:rPr b="0" lang="en-US" sz="4400" spc="-1" strike="noStrike">
-                <a:solidFill>
-                  <a:srgbClr val="000000"/>
-                </a:solidFill>
-                <a:latin typeface="Arial"/>
-              </a:rPr>
-              <a:t>i</a:t>
-            </a:r>
-            <a:r>
-              <a:rPr b="0" lang="en-US" sz="4400" spc="-1" strike="noStrike">
-                <a:solidFill>
-                  <a:srgbClr val="000000"/>
-                </a:solidFill>
-                <a:latin typeface="Arial"/>
-              </a:rPr>
-              <a:t>c</a:t>
-            </a:r>
-            <a:r>
-              <a:rPr b="0" lang="en-US" sz="4400" spc="-1" strike="noStrike">
-                <a:solidFill>
-                  <a:srgbClr val="000000"/>
-                </a:solidFill>
-                <a:latin typeface="Arial"/>
-              </a:rPr>
-              <a:t>k</a:t>
-            </a:r>
-            <a:r>
-              <a:rPr b="0" lang="en-US" sz="4400" spc="-1" strike="noStrike">
-                <a:solidFill>
-                  <a:srgbClr val="000000"/>
-                </a:solidFill>
-                <a:latin typeface="Arial"/>
-              </a:rPr>
-              <a:t> </a:t>
-            </a:r>
-            <a:r>
-              <a:rPr b="0" lang="en-US" sz="4400" spc="-1" strike="noStrike">
-                <a:solidFill>
-                  <a:srgbClr val="000000"/>
-                </a:solidFill>
-                <a:latin typeface="Arial"/>
-              </a:rPr>
-              <a:t>t</a:t>
-            </a:r>
-            <a:r>
-              <a:rPr b="0" lang="en-US" sz="4400" spc="-1" strike="noStrike">
-                <a:solidFill>
-                  <a:srgbClr val="000000"/>
-                </a:solidFill>
-                <a:latin typeface="Arial"/>
-              </a:rPr>
-              <a:t>o</a:t>
-            </a:r>
-            <a:r>
-              <a:rPr b="0" lang="en-US" sz="4400" spc="-1" strike="noStrike">
-                <a:solidFill>
-                  <a:srgbClr val="000000"/>
-                </a:solidFill>
-                <a:latin typeface="Arial"/>
-              </a:rPr>
-              <a:t> </a:t>
-            </a:r>
-            <a:r>
-              <a:rPr b="0" lang="en-US" sz="4400" spc="-1" strike="noStrike">
-                <a:solidFill>
-                  <a:srgbClr val="000000"/>
-                </a:solidFill>
-                <a:latin typeface="Arial"/>
-              </a:rPr>
-              <a:t>e</a:t>
-            </a:r>
-            <a:r>
-              <a:rPr b="0" lang="en-US" sz="4400" spc="-1" strike="noStrike">
-                <a:solidFill>
-                  <a:srgbClr val="000000"/>
-                </a:solidFill>
-                <a:latin typeface="Arial"/>
-              </a:rPr>
-              <a:t>d</a:t>
-            </a:r>
-            <a:r>
-              <a:rPr b="0" lang="en-US" sz="4400" spc="-1" strike="noStrike">
-                <a:solidFill>
-                  <a:srgbClr val="000000"/>
-                </a:solidFill>
-                <a:latin typeface="Arial"/>
-              </a:rPr>
-              <a:t>i</a:t>
-            </a:r>
-            <a:r>
-              <a:rPr b="0" lang="en-US" sz="4400" spc="-1" strike="noStrike">
-                <a:solidFill>
-                  <a:srgbClr val="000000"/>
-                </a:solidFill>
-                <a:latin typeface="Arial"/>
-              </a:rPr>
-              <a:t>t </a:t>
-            </a:r>
-            <a:r>
-              <a:rPr b="0" lang="en-US" sz="4400" spc="-1" strike="noStrike">
-                <a:solidFill>
-                  <a:srgbClr val="000000"/>
-                </a:solidFill>
-                <a:latin typeface="Arial"/>
-              </a:rPr>
-              <a:t>t</a:t>
-            </a:r>
-            <a:r>
-              <a:rPr b="0" lang="en-US" sz="4400" spc="-1" strike="noStrike">
-                <a:solidFill>
-                  <a:srgbClr val="000000"/>
-                </a:solidFill>
-                <a:latin typeface="Arial"/>
-              </a:rPr>
-              <a:t>h</a:t>
-            </a:r>
-            <a:r>
-              <a:rPr b="0" lang="en-US" sz="4400" spc="-1" strike="noStrike">
-                <a:solidFill>
-                  <a:srgbClr val="000000"/>
-                </a:solidFill>
-                <a:latin typeface="Arial"/>
-              </a:rPr>
-              <a:t>e</a:t>
-            </a:r>
-            <a:r>
-              <a:rPr b="0" lang="en-US" sz="4400" spc="-1" strike="noStrike">
-                <a:solidFill>
-                  <a:srgbClr val="000000"/>
-                </a:solidFill>
-                <a:latin typeface="Arial"/>
-              </a:rPr>
-              <a:t> </a:t>
-            </a:r>
-            <a:r>
-              <a:rPr b="0" lang="en-US" sz="4400" spc="-1" strike="noStrike">
-                <a:solidFill>
-                  <a:srgbClr val="000000"/>
-                </a:solidFill>
-                <a:latin typeface="Arial"/>
-              </a:rPr>
-              <a:t>t</a:t>
-            </a:r>
-            <a:r>
-              <a:rPr b="0" lang="en-US" sz="4400" spc="-1" strike="noStrike">
-                <a:solidFill>
-                  <a:srgbClr val="000000"/>
-                </a:solidFill>
-                <a:latin typeface="Arial"/>
-              </a:rPr>
-              <a:t>i</a:t>
-            </a:r>
-            <a:r>
-              <a:rPr b="0" lang="en-US" sz="4400" spc="-1" strike="noStrike">
-                <a:solidFill>
-                  <a:srgbClr val="000000"/>
-                </a:solidFill>
-                <a:latin typeface="Arial"/>
-              </a:rPr>
-              <a:t>t</a:t>
-            </a:r>
-            <a:r>
-              <a:rPr b="0" lang="en-US" sz="4400" spc="-1" strike="noStrike">
-                <a:solidFill>
-                  <a:srgbClr val="000000"/>
-                </a:solidFill>
-                <a:latin typeface="Arial"/>
-              </a:rPr>
-              <a:t>l</a:t>
-            </a:r>
-            <a:r>
-              <a:rPr b="0" lang="en-US" sz="4400" spc="-1" strike="noStrike">
-                <a:solidFill>
-                  <a:srgbClr val="000000"/>
-                </a:solidFill>
-                <a:latin typeface="Arial"/>
-              </a:rPr>
-              <a:t>e</a:t>
-            </a:r>
-            <a:r>
-              <a:rPr b="0" lang="en-US" sz="4400" spc="-1" strike="noStrike">
-                <a:solidFill>
-                  <a:srgbClr val="000000"/>
-                </a:solidFill>
-                <a:latin typeface="Arial"/>
-              </a:rPr>
-              <a:t> </a:t>
-            </a:r>
-            <a:r>
-              <a:rPr b="0" lang="en-US" sz="4400" spc="-1" strike="noStrike">
-                <a:solidFill>
-                  <a:srgbClr val="000000"/>
-                </a:solidFill>
-                <a:latin typeface="Arial"/>
-              </a:rPr>
-              <a:t>t</a:t>
-            </a:r>
-            <a:r>
-              <a:rPr b="0" lang="en-US" sz="4400" spc="-1" strike="noStrike">
-                <a:solidFill>
-                  <a:srgbClr val="000000"/>
-                </a:solidFill>
-                <a:latin typeface="Arial"/>
-              </a:rPr>
-              <a:t>e</a:t>
-            </a:r>
-            <a:r>
-              <a:rPr b="0" lang="en-US" sz="4400" spc="-1" strike="noStrike">
-                <a:solidFill>
-                  <a:srgbClr val="000000"/>
-                </a:solidFill>
-                <a:latin typeface="Arial"/>
-              </a:rPr>
-              <a:t>x</a:t>
-            </a:r>
-            <a:r>
-              <a:rPr b="0" lang="en-US" sz="4400" spc="-1" strike="noStrike">
-                <a:solidFill>
-                  <a:srgbClr val="000000"/>
-                </a:solidFill>
-                <a:latin typeface="Arial"/>
-              </a:rPr>
-              <a:t>t </a:t>
-            </a:r>
-            <a:r>
-              <a:rPr b="0" lang="en-US" sz="4400" spc="-1" strike="noStrike">
-                <a:solidFill>
-                  <a:srgbClr val="000000"/>
-                </a:solidFill>
-                <a:latin typeface="Arial"/>
-              </a:rPr>
-              <a:t>f</a:t>
-            </a:r>
-            <a:r>
-              <a:rPr b="0" lang="en-US" sz="4400" spc="-1" strike="noStrike">
-                <a:solidFill>
-                  <a:srgbClr val="000000"/>
-                </a:solidFill>
-                <a:latin typeface="Arial"/>
-              </a:rPr>
-              <a:t>o</a:t>
-            </a:r>
-            <a:r>
-              <a:rPr b="0" lang="en-US" sz="4400" spc="-1" strike="noStrike">
-                <a:solidFill>
-                  <a:srgbClr val="000000"/>
-                </a:solidFill>
-                <a:latin typeface="Arial"/>
-              </a:rPr>
-              <a:t>r</a:t>
-            </a:r>
-            <a:r>
-              <a:rPr b="0" lang="en-US" sz="4400" spc="-1" strike="noStrike">
-                <a:solidFill>
-                  <a:srgbClr val="000000"/>
-                </a:solidFill>
-                <a:latin typeface="Arial"/>
-              </a:rPr>
-              <a:t>m</a:t>
-            </a:r>
-            <a:r>
-              <a:rPr b="0" lang="en-US" sz="4400" spc="-1" strike="noStrike">
-                <a:solidFill>
-                  <a:srgbClr val="000000"/>
-                </a:solidFill>
-                <a:latin typeface="Arial"/>
-              </a:rPr>
-              <a:t>a</a:t>
-            </a:r>
-            <a:r>
-              <a:rPr b="0" lang="en-US" sz="4400" spc="-1" strike="noStrike">
-                <a:solidFill>
-                  <a:srgbClr val="000000"/>
-                </a:solidFill>
-                <a:latin typeface="Arial"/>
-              </a:rPr>
-              <a:t>t</a:t>
+              <a:t>format</a:t>
             </a:r>
             <a:endParaRPr b="0" lang="en-US" sz="4400" spc="-1" strike="noStrike">
               <a:solidFill>
@@ -13059,7 +12339,7 @@
         <p:spPr>
           <a:xfrm>
             <a:off x="944640" y="4350600"/>
-            <a:ext cx="8291880" cy="479160"/>
+            <a:ext cx="8291160" cy="478440"/>
           </a:xfrm>
           <a:prstGeom prst="rect">
             <a:avLst/>
@@ -13090,57 +12370,7 @@
                 <a:latin typeface="Roboto"/>
                 <a:ea typeface="Roboto"/>
               </a:rPr>
-              <a:t>o</a:t>
-            </a:r>
-            <a:r>
-              <a:rPr b="1" lang="ru" sz="1800" spc="-1" strike="noStrike">
-                <a:solidFill>
-                  <a:schemeClr val="lt1"/>
-                </a:solidFill>
-                <a:latin typeface="Roboto"/>
-                <a:ea typeface="Roboto"/>
-              </a:rPr>
-              <a:t>t</a:t>
-            </a:r>
-            <a:r>
-              <a:rPr b="1" lang="ru" sz="1800" spc="-1" strike="noStrike">
-                <a:solidFill>
-                  <a:schemeClr val="lt1"/>
-                </a:solidFill>
-                <a:latin typeface="Roboto"/>
-                <a:ea typeface="Roboto"/>
-              </a:rPr>
-              <a:t>u</a:t>
-            </a:r>
-            <a:r>
-              <a:rPr b="1" lang="ru" sz="1800" spc="-1" strike="noStrike">
-                <a:solidFill>
-                  <a:schemeClr val="lt1"/>
-                </a:solidFill>
-                <a:latin typeface="Roboto"/>
-                <a:ea typeface="Roboto"/>
-              </a:rPr>
-              <a:t>s.</a:t>
-            </a:r>
-            <a:r>
-              <a:rPr b="1" lang="ru" sz="1800" spc="-1" strike="noStrike">
-                <a:solidFill>
-                  <a:schemeClr val="lt1"/>
-                </a:solidFill>
-                <a:latin typeface="Roboto"/>
-                <a:ea typeface="Roboto"/>
-              </a:rPr>
-              <a:t>r</a:t>
-            </a:r>
-            <a:r>
-              <a:rPr b="1" lang="ru" sz="1800" spc="-1" strike="noStrike">
-                <a:solidFill>
-                  <a:schemeClr val="lt1"/>
-                </a:solidFill>
-                <a:latin typeface="Roboto"/>
-                <a:ea typeface="Roboto"/>
-              </a:rPr>
-              <a:t>u</a:t>
+              <a:t>otus.ru</a:t>
             </a:r>
             <a:endParaRPr b="0" lang="en-US" sz="1800" spc="-1" strike="noStrike">
               <a:solidFill>
@@ -13164,7 +12394,7 @@
         <p:spPr>
           <a:xfrm>
             <a:off x="944640" y="1769040"/>
-            <a:ext cx="7378200" cy="2373840"/>
+            <a:ext cx="7377480" cy="2373120"/>
           </a:xfrm>
           <a:prstGeom prst="rect">
             <a:avLst/>
@@ -13196,8 +12426,25 @@
                 <a:latin typeface="Roboto"/>
                 <a:ea typeface="Roboto"/>
               </a:rPr>
-              <a:t>О</a:t>
+              <a:t>Онлайн</a:t>
             </a:r>
+            <a:endParaRPr b="0" lang="en-US" sz="5600" spc="-1" strike="noStrike">
+              <a:solidFill>
+                <a:srgbClr val="000000"/>
+              </a:solidFill>
+              <a:latin typeface="Arial"/>
+            </a:endParaRPr>
+          </a:p>
+          <a:p>
+            <a:pPr indent="0">
+              <a:lnSpc>
+                <a:spcPct val="90000"/>
+              </a:lnSpc>
+              <a:buNone/>
+              <a:tabLst>
+                <a:tab algn="l" pos="0"/>
+              </a:tabLst>
+            </a:pPr>
             <a:r>
               <a:rPr b="1" lang="ru" sz="5600" spc="-1" strike="noStrike">
                 <a:solidFill>
@@ -13206,174 +12453,7 @@
                 <a:latin typeface="Roboto"/>
                 <a:ea typeface="Roboto"/>
               </a:rPr>
-              <a:t>н</a:t>
-            </a:r>
-            <a:r>
-              <a:rPr b="1" lang="ru" sz="5600" spc="-1" strike="noStrike">
-                <a:solidFill>
-                  <a:schemeClr val="lt1"/>
-                </a:solidFill>
-                <a:latin typeface="Roboto"/>
-                <a:ea typeface="Roboto"/>
-              </a:rPr>
-              <a:t>л</a:t>
-            </a:r>
-            <a:r>
-              <a:rPr b="1" lang="ru" sz="5600" spc="-1" strike="noStrike">
-                <a:solidFill>
-                  <a:schemeClr val="lt1"/>
-                </a:solidFill>
-                <a:latin typeface="Roboto"/>
-                <a:ea typeface="Roboto"/>
-              </a:rPr>
-              <a:t>а</a:t>
-            </a:r>
-            <a:r>
-              <a:rPr b="1" lang="ru" sz="5600" spc="-1" strike="noStrike">
-                <a:solidFill>
-                  <a:schemeClr val="lt1"/>
-                </a:solidFill>
-                <a:latin typeface="Roboto"/>
-                <a:ea typeface="Roboto"/>
-              </a:rPr>
-              <a:t>й</a:t>
-            </a:r>
-            <a:r>
-              <a:rPr b="1" lang="ru" sz="5600" spc="-1" strike="noStrike">
-                <a:solidFill>
-                  <a:schemeClr val="lt1"/>
-                </a:solidFill>
-                <a:latin typeface="Roboto"/>
-                <a:ea typeface="Roboto"/>
-              </a:rPr>
-              <a:t>н</a:t>
-            </a:r>
-            <a:endParaRPr b="0" lang="en-US" sz="5600" spc="-1" strike="noStrike">
-              <a:solidFill>
-                <a:srgbClr val="000000"/>
-              </a:solidFill>
-              <a:latin typeface="Arial"/>
-            </a:endParaRPr>
-          </a:p>
-          <a:p>
-            <a:pPr indent="0">
-              <a:lnSpc>
-                <a:spcPct val="90000"/>
-              </a:lnSpc>
-              <a:buNone/>
-              <a:tabLst>
-                <a:tab algn="l" pos="0"/>
-              </a:tabLst>
-            </a:pPr>
-            <a:r>
-              <a:rPr b="1" lang="ru" sz="5600" spc="-1" strike="noStrike">
-                <a:solidFill>
-                  <a:schemeClr val="lt1"/>
-                </a:solidFill>
-                <a:latin typeface="Roboto"/>
-                <a:ea typeface="Roboto"/>
-              </a:rPr>
-              <a:t>о</a:t>
-            </a:r>
-            <a:r>
-              <a:rPr b="1" lang="ru" sz="5600" spc="-1" strike="noStrike">
-                <a:solidFill>
-                  <a:schemeClr val="lt1"/>
-                </a:solidFill>
-                <a:latin typeface="Roboto"/>
-                <a:ea typeface="Roboto"/>
-              </a:rPr>
-              <a:t>б</a:t>
-            </a:r>
-            <a:r>
-              <a:rPr b="1" lang="ru" sz="5600" spc="-1" strike="noStrike">
-                <a:solidFill>
-                  <a:schemeClr val="lt1"/>
-                </a:solidFill>
-                <a:latin typeface="Roboto"/>
-                <a:ea typeface="Roboto"/>
-              </a:rPr>
-              <a:t>р</a:t>
-            </a:r>
-            <a:r>
-              <a:rPr b="1" lang="ru" sz="5600" spc="-1" strike="noStrike">
-                <a:solidFill>
-                  <a:schemeClr val="lt1"/>
-                </a:solidFill>
-                <a:latin typeface="Roboto"/>
-                <a:ea typeface="Roboto"/>
-              </a:rPr>
-              <a:t>а</a:t>
-            </a:r>
-            <a:r>
-              <a:rPr b="1" lang="ru" sz="5600" spc="-1" strike="noStrike">
-                <a:solidFill>
-                  <a:schemeClr val="lt1"/>
-                </a:solidFill>
-                <a:latin typeface="Roboto"/>
-                <a:ea typeface="Roboto"/>
-              </a:rPr>
-              <a:t>з</a:t>
-            </a:r>
-            <a:r>
-              <a:rPr b="1" lang="ru" sz="5600" spc="-1" strike="noStrike">
-                <a:solidFill>
-                  <a:schemeClr val="lt1"/>
-                </a:solidFill>
-                <a:latin typeface="Roboto"/>
-                <a:ea typeface="Roboto"/>
-              </a:rPr>
-              <a:t>о</a:t>
-            </a:r>
-            <a:r>
-              <a:rPr b="1" lang="ru" sz="5600" spc="-1" strike="noStrike">
-                <a:solidFill>
-                  <a:schemeClr val="lt1"/>
-                </a:solidFill>
-                <a:latin typeface="Roboto"/>
-                <a:ea typeface="Roboto"/>
-              </a:rPr>
-              <a:t>в</a:t>
-            </a:r>
-            <a:r>
-              <a:rPr b="1" lang="ru" sz="5600" spc="-1" strike="noStrike">
-                <a:solidFill>
-                  <a:schemeClr val="lt1"/>
-                </a:solidFill>
-                <a:latin typeface="Roboto"/>
-                <a:ea typeface="Roboto"/>
-              </a:rPr>
-              <a:t>а</a:t>
-            </a:r>
-            <a:r>
-              <a:rPr b="1" lang="ru" sz="5600" spc="-1" strike="noStrike">
-                <a:solidFill>
-                  <a:schemeClr val="lt1"/>
-                </a:solidFill>
-                <a:latin typeface="Roboto"/>
-                <a:ea typeface="Roboto"/>
-              </a:rPr>
-              <a:t>н</a:t>
-            </a:r>
-            <a:r>
-              <a:rPr b="1" lang="ru" sz="5600" spc="-1" strike="noStrike">
-                <a:solidFill>
-                  <a:schemeClr val="lt1"/>
-                </a:solidFill>
-                <a:latin typeface="Roboto"/>
-                <a:ea typeface="Roboto"/>
-              </a:rPr>
-              <a:t>и</a:t>
-            </a:r>
-            <a:r>
-              <a:rPr b="1" lang="ru" sz="5600" spc="-1" strike="noStrike">
-                <a:solidFill>
-                  <a:schemeClr val="lt1"/>
-                </a:solidFill>
-                <a:latin typeface="Roboto"/>
-                <a:ea typeface="Roboto"/>
-              </a:rPr>
-              <a:t>е</a:t>
+              <a:t>образование</a:t>
             </a:r>
             <a:endParaRPr b="0" lang="en-US" sz="5600" spc="-1" strike="noStrike">
               <a:solidFill>
@@ -13427,7 +12507,7 @@
         <p:spPr>
           <a:xfrm>
             <a:off x="205200" y="357840"/>
-            <a:ext cx="5319720" cy="3432240"/>
+            <a:ext cx="5319000" cy="3431520"/>
           </a:xfrm>
           <a:prstGeom prst="rect">
             <a:avLst/>
@@ -13450,7 +12530,7 @@
         <p:spPr>
           <a:xfrm>
             <a:off x="3744720" y="1564560"/>
-            <a:ext cx="5066640" cy="3289320"/>
+            <a:ext cx="5065920" cy="3288600"/>
           </a:xfrm>
           <a:prstGeom prst="rect">
             <a:avLst/>
@@ -13469,7 +12549,7 @@
         <p:spPr>
           <a:xfrm>
             <a:off x="1180080" y="47880"/>
-            <a:ext cx="6340680" cy="657360"/>
+            <a:ext cx="6339960" cy="656640"/>
           </a:xfrm>
           <a:prstGeom prst="rect">
             <a:avLst/>
@@ -13501,6 +12581,7 @@
                   <a:srgbClr val="000000"/>
                 </a:solidFill>
                 <a:latin typeface="Arial"/>
+                <a:ea typeface="DejaVu Sans"/>
               </a:rPr>
               <a:t>Исходный код “топологии” и “kafka-streams” для детектирования “подбора пользователя”</a:t>
             </a:r>
@@ -13556,7 +12637,7 @@
         <p:spPr>
           <a:xfrm>
             <a:off x="247320" y="360000"/>
-            <a:ext cx="4527360" cy="2240280"/>
+            <a:ext cx="4526640" cy="2239560"/>
           </a:xfrm>
           <a:prstGeom prst="rect">
             <a:avLst/>
@@ -13579,7 +12660,7 @@
         <p:spPr>
           <a:xfrm>
             <a:off x="3422160" y="2436120"/>
-            <a:ext cx="5491440" cy="2358720"/>
+            <a:ext cx="5490720" cy="2358000"/>
           </a:xfrm>
           <a:prstGeom prst="rect">
             <a:avLst/>
@@ -13598,7 +12679,7 @@
         <p:spPr>
           <a:xfrm>
             <a:off x="1180080" y="48240"/>
-            <a:ext cx="6340680" cy="657360"/>
+            <a:ext cx="6339960" cy="656640"/>
           </a:xfrm>
           <a:prstGeom prst="rect">
             <a:avLst/>
@@ -13630,6 +12711,7 @@
                   <a:srgbClr val="000000"/>
                 </a:solidFill>
                 <a:latin typeface="Arial"/>
+                <a:ea typeface="DejaVu Sans"/>
               </a:rPr>
               <a:t>Исходный код “топологии” и “kafka-streams” для детектирования “подбора пароля”</a:t>
             </a:r>
@@ -13685,7 +12767,7 @@
         <p:spPr>
           <a:xfrm>
             <a:off x="247680" y="326160"/>
-            <a:ext cx="4002120" cy="2294640"/>
+            <a:ext cx="4001400" cy="2293920"/>
           </a:xfrm>
           <a:prstGeom prst="rect">
             <a:avLst/>
@@ -13708,7 +12790,7 @@
         <p:spPr>
           <a:xfrm>
             <a:off x="3737880" y="2067840"/>
-            <a:ext cx="5259960" cy="2701080"/>
+            <a:ext cx="5259240" cy="2700360"/>
           </a:xfrm>
           <a:prstGeom prst="rect">
             <a:avLst/>
@@ -13727,7 +12809,7 @@
         <p:spPr>
           <a:xfrm>
             <a:off x="1180080" y="48240"/>
-            <a:ext cx="7641720" cy="657360"/>
+            <a:ext cx="7641000" cy="656640"/>
           </a:xfrm>
           <a:prstGeom prst="rect">
             <a:avLst/>
@@ -13759,6 +12841,7 @@
                   <a:srgbClr val="000000"/>
                 </a:solidFill>
                 <a:latin typeface="Arial"/>
+                <a:ea typeface="DejaVu Sans"/>
               </a:rPr>
               <a:t>Исходный код “топологии” и “kafka-streams” для детектирования “новой локации пользователя”</a:t>
             </a:r>
@@ -13814,7 +12897,7 @@
         <p:spPr>
           <a:xfrm>
             <a:off x="348480" y="622800"/>
-            <a:ext cx="4249080" cy="2001960"/>
+            <a:ext cx="4248360" cy="2001240"/>
           </a:xfrm>
           <a:prstGeom prst="rect">
             <a:avLst/>
@@ -13837,7 +12920,7 @@
         <p:spPr>
           <a:xfrm>
             <a:off x="3777120" y="3063960"/>
-            <a:ext cx="5166360" cy="1640880"/>
+            <a:ext cx="5165640" cy="1640160"/>
           </a:xfrm>
           <a:prstGeom prst="rect">
             <a:avLst/>
@@ -13860,7 +12943,7 @@
         <p:spPr>
           <a:xfrm>
             <a:off x="4867920" y="714240"/>
-            <a:ext cx="3858840" cy="1755360"/>
+            <a:ext cx="3858120" cy="1754640"/>
           </a:xfrm>
           <a:prstGeom prst="rect">
             <a:avLst/>
@@ -13879,7 +12962,7 @@
         <p:spPr>
           <a:xfrm>
             <a:off x="963360" y="133920"/>
-            <a:ext cx="7641720" cy="657360"/>
+            <a:ext cx="7641000" cy="656640"/>
           </a:xfrm>
           <a:prstGeom prst="rect">
             <a:avLst/>
@@ -13911,6 +12994,7 @@
                   <a:srgbClr val="000000"/>
                 </a:solidFill>
                 <a:latin typeface="Arial"/>
+                <a:ea typeface="DejaVu Sans"/>
               </a:rPr>
               <a:t>Вырезка исходного кода класса StreamApp и dockerfile + docker-compose для итоговой сборки </a:t>
             </a:r>
@@ -13966,7 +13050,7 @@
         <p:spPr>
           <a:xfrm>
             <a:off x="258840" y="434520"/>
-            <a:ext cx="5802480" cy="2075040"/>
+            <a:ext cx="5801760" cy="2074320"/>
           </a:xfrm>
           <a:prstGeom prst="rect">
             <a:avLst/>
@@ -13989,7 +13073,7 @@
         <p:spPr>
           <a:xfrm>
             <a:off x="4827240" y="2235600"/>
-            <a:ext cx="3854160" cy="2546640"/>
+            <a:ext cx="3853440" cy="2545920"/>
           </a:xfrm>
           <a:prstGeom prst="rect">
             <a:avLst/>
@@ -14008,7 +13092,7 @@
         <p:spPr>
           <a:xfrm>
             <a:off x="963360" y="94680"/>
-            <a:ext cx="7641720" cy="657360"/>
+            <a:ext cx="7641000" cy="656640"/>
           </a:xfrm>
           <a:prstGeom prst="rect">
             <a:avLst/>
@@ -14040,6 +13124,7 @@
                   <a:srgbClr val="000000"/>
                 </a:solidFill>
                 <a:latin typeface="Arial"/>
+                <a:ea typeface="DejaVu Sans"/>
               </a:rPr>
               <a:t>Dockerfile + docker-compose для сборки Keycloak c “внешним” модулем “keycloak-kafka”</a:t>
             </a:r>
@@ -14095,7 +13180,7 @@
         <p:spPr>
           <a:xfrm>
             <a:off x="61560" y="651960"/>
-            <a:ext cx="3242520" cy="1463760"/>
+            <a:ext cx="3241800" cy="1463040"/>
           </a:xfrm>
           <a:prstGeom prst="rect">
             <a:avLst/>
@@ -14118,7 +13203,7 @@
         <p:spPr>
           <a:xfrm>
             <a:off x="210960" y="3174120"/>
-            <a:ext cx="8519400" cy="1132920"/>
+            <a:ext cx="8518680" cy="1132200"/>
           </a:xfrm>
           <a:prstGeom prst="rect">
             <a:avLst/>
@@ -14141,7 +13226,7 @@
         <p:spPr>
           <a:xfrm>
             <a:off x="3422880" y="636120"/>
-            <a:ext cx="5536800" cy="2342160"/>
+            <a:ext cx="5536080" cy="2341440"/>
           </a:xfrm>
           <a:prstGeom prst="rect">
             <a:avLst/>
@@ -14160,7 +13245,7 @@
         <p:spPr>
           <a:xfrm>
             <a:off x="799200" y="95040"/>
-            <a:ext cx="7641720" cy="657360"/>
+            <a:ext cx="7641000" cy="656640"/>
           </a:xfrm>
           <a:prstGeom prst="rect">
             <a:avLst/>
@@ -14192,6 +13277,7 @@
                   <a:srgbClr val="000000"/>
                 </a:solidFill>
                 <a:latin typeface="Arial"/>
+                <a:ea typeface="DejaVu Sans"/>
               </a:rPr>
               <a:t>Запуск проекта и запуска скиптов конфигурации “kafka”, “keycloak”, “kafka-connect”, “elasticsearch” и “kibana”</a:t>
             </a:r>
@@ -14246,8 +13332,8 @@
         </p:blipFill>
         <p:spPr>
           <a:xfrm>
-            <a:off x="220320" y="424800"/>
-            <a:ext cx="2682720" cy="668160"/>
+            <a:off x="2041560" y="291240"/>
+            <a:ext cx="4646160" cy="4610880"/>
           </a:xfrm>
           <a:prstGeom prst="rect">
             <a:avLst/>
@@ -14265,15 +13351,17 @@
         </p:nvSpPr>
         <p:spPr>
           <a:xfrm>
-            <a:off x="654480" y="56160"/>
-            <a:ext cx="7641720" cy="657360"/>
-          </a:xfrm>
-          <a:prstGeom prst="rect">
-            <a:avLst/>
-          </a:prstGeom>
-          <a:noFill/>
-          <a:ln w="0">
-            <a:noFill/>
+            <a:off x="1431000" y="2126160"/>
+            <a:ext cx="610560" cy="134280"/>
+          </a:xfrm>
+          <a:prstGeom prst="line">
+            <a:avLst/>
+          </a:prstGeom>
+          <a:ln w="0">
+            <a:solidFill>
+              <a:srgbClr val="ff0000"/>
+            </a:solidFill>
+            <a:tailEnd len="med" type="triangle" w="med"/>
           </a:ln>
         </p:spPr>
         <p:style>
@@ -14283,6 +13371,214 @@
           <a:fontRef idx="minor"/>
         </p:style>
         <p:txBody>
+          <a:bodyPr lIns="90000" rIns="90000" tIns="45000" bIns="45000" anchor="ctr" anchorCtr="1">
+            <a:noAutofit/>
+          </a:bodyPr>
+          <a:p>
+            <a:endParaRPr b="0" lang="en-US" sz="1000" spc="-1" strike="noStrike">
+              <a:solidFill>
+                <a:srgbClr val="000000"/>
+              </a:solidFill>
+              <a:latin typeface="Arial"/>
+              <a:ea typeface="DejaVu Sans"/>
+            </a:endParaRPr>
+          </a:p>
+        </p:txBody>
+      </p:sp>
+      <p:sp>
+        <p:nvSpPr>
+          <p:cNvPr id="252" name=""/>
+          <p:cNvSpPr/>
+          <p:nvPr/>
+        </p:nvSpPr>
+        <p:spPr>
+          <a:xfrm>
+            <a:off x="1439280" y="2358000"/>
+            <a:ext cx="602280" cy="100080"/>
+          </a:xfrm>
+          <a:prstGeom prst="line">
+            <a:avLst/>
+          </a:prstGeom>
+          <a:ln w="0">
+            <a:solidFill>
+              <a:srgbClr val="ff0000"/>
+            </a:solidFill>
+            <a:tailEnd len="med" type="triangle" w="med"/>
+          </a:ln>
+        </p:spPr>
+        <p:style>
+          <a:lnRef idx="0"/>
+          <a:fillRef idx="0"/>
+          <a:effectRef idx="0"/>
+          <a:fontRef idx="minor"/>
+        </p:style>
+        <p:txBody>
+          <a:bodyPr lIns="90000" rIns="90000" tIns="45000" bIns="45000" anchor="ctr" anchorCtr="1">
+            <a:noAutofit/>
+          </a:bodyPr>
+          <a:p>
+            <a:endParaRPr b="0" lang="en-US" sz="1000" spc="-1" strike="noStrike">
+              <a:solidFill>
+                <a:srgbClr val="000000"/>
+              </a:solidFill>
+              <a:latin typeface="Arial"/>
+              <a:ea typeface="DejaVu Sans"/>
+            </a:endParaRPr>
+          </a:p>
+        </p:txBody>
+      </p:sp>
+      <p:sp>
+        <p:nvSpPr>
+          <p:cNvPr id="253" name=""/>
+          <p:cNvSpPr/>
+          <p:nvPr/>
+        </p:nvSpPr>
+        <p:spPr>
+          <a:xfrm>
+            <a:off x="1457640" y="2779560"/>
+            <a:ext cx="583920" cy="73080"/>
+          </a:xfrm>
+          <a:prstGeom prst="line">
+            <a:avLst/>
+          </a:prstGeom>
+          <a:ln w="0">
+            <a:solidFill>
+              <a:srgbClr val="ff0000"/>
+            </a:solidFill>
+            <a:tailEnd len="med" type="triangle" w="med"/>
+          </a:ln>
+        </p:spPr>
+        <p:style>
+          <a:lnRef idx="0"/>
+          <a:fillRef idx="0"/>
+          <a:effectRef idx="0"/>
+          <a:fontRef idx="minor"/>
+        </p:style>
+        <p:txBody>
+          <a:bodyPr lIns="90000" rIns="90000" tIns="28080" bIns="28080" anchor="ctr" anchorCtr="1">
+            <a:noAutofit/>
+          </a:bodyPr>
+          <a:p>
+            <a:endParaRPr b="0" lang="en-US" sz="1000" spc="-1" strike="noStrike">
+              <a:solidFill>
+                <a:srgbClr val="000000"/>
+              </a:solidFill>
+              <a:latin typeface="Arial"/>
+              <a:ea typeface="DejaVu Sans"/>
+            </a:endParaRPr>
+          </a:p>
+        </p:txBody>
+      </p:sp>
+      <p:sp>
+        <p:nvSpPr>
+          <p:cNvPr id="254" name=""/>
+          <p:cNvSpPr/>
+          <p:nvPr/>
+        </p:nvSpPr>
+        <p:spPr>
+          <a:xfrm>
+            <a:off x="1433160" y="3506040"/>
+            <a:ext cx="608400" cy="95040"/>
+          </a:xfrm>
+          <a:prstGeom prst="line">
+            <a:avLst/>
+          </a:prstGeom>
+          <a:ln w="0">
+            <a:solidFill>
+              <a:srgbClr val="ff0000"/>
+            </a:solidFill>
+            <a:tailEnd len="med" type="triangle" w="med"/>
+          </a:ln>
+        </p:spPr>
+        <p:style>
+          <a:lnRef idx="0"/>
+          <a:fillRef idx="0"/>
+          <a:effectRef idx="0"/>
+          <a:fontRef idx="minor"/>
+        </p:style>
+        <p:txBody>
+          <a:bodyPr lIns="90000" rIns="90000" tIns="45000" bIns="45000" anchor="ctr" anchorCtr="1">
+            <a:noAutofit/>
+          </a:bodyPr>
+          <a:p>
+            <a:endParaRPr b="0" lang="en-US" sz="1000" spc="-1" strike="noStrike">
+              <a:solidFill>
+                <a:srgbClr val="000000"/>
+              </a:solidFill>
+              <a:latin typeface="Arial"/>
+              <a:ea typeface="DejaVu Sans"/>
+            </a:endParaRPr>
+          </a:p>
+        </p:txBody>
+      </p:sp>
+      <p:sp>
+        <p:nvSpPr>
+          <p:cNvPr id="255" name=""/>
+          <p:cNvSpPr/>
+          <p:nvPr/>
+        </p:nvSpPr>
+        <p:spPr>
+          <a:xfrm>
+            <a:off x="1431000" y="4286880"/>
+            <a:ext cx="610560" cy="92160"/>
+          </a:xfrm>
+          <a:prstGeom prst="line">
+            <a:avLst/>
+          </a:prstGeom>
+          <a:ln w="0">
+            <a:solidFill>
+              <a:srgbClr val="ff0000"/>
+            </a:solidFill>
+            <a:tailEnd len="med" type="triangle" w="med"/>
+          </a:ln>
+        </p:spPr>
+        <p:style>
+          <a:lnRef idx="0"/>
+          <a:fillRef idx="0"/>
+          <a:effectRef idx="0"/>
+          <a:fontRef idx="minor"/>
+        </p:style>
+        <p:txBody>
+          <a:bodyPr lIns="90000" rIns="90000" tIns="45000" bIns="45000" anchor="ctr" anchorCtr="1">
+            <a:noAutofit/>
+          </a:bodyPr>
+          <a:p>
+            <a:endParaRPr b="0" lang="en-US" sz="1000" spc="-1" strike="noStrike">
+              <a:solidFill>
+                <a:srgbClr val="000000"/>
+              </a:solidFill>
+              <a:latin typeface="Arial"/>
+              <a:ea typeface="DejaVu Sans"/>
+            </a:endParaRPr>
+          </a:p>
+        </p:txBody>
+      </p:sp>
+      <p:sp>
+        <p:nvSpPr>
+          <p:cNvPr id="256" name=""/>
+          <p:cNvSpPr/>
+          <p:nvPr/>
+        </p:nvSpPr>
+        <p:spPr>
+          <a:xfrm>
+            <a:off x="1364040" y="0"/>
+            <a:ext cx="7641000" cy="271080"/>
+          </a:xfrm>
+          <a:prstGeom prst="rect">
+            <a:avLst/>
+          </a:prstGeom>
+          <a:noFill/>
+          <a:ln w="0">
+            <a:noFill/>
+          </a:ln>
+        </p:spPr>
+        <p:style>
+          <a:lnRef idx="0"/>
+          <a:fillRef idx="0"/>
+          <a:effectRef idx="0"/>
+          <a:fontRef idx="minor"/>
+        </p:style>
+        <p:txBody>
           <a:bodyPr lIns="90000" rIns="90000" tIns="45000" bIns="45000" anchor="t">
             <a:noAutofit/>
           </a:bodyPr>
@@ -14298,8 +13594,9 @@
                   <a:srgbClr val="000000"/>
                 </a:solidFill>
                 <a:latin typeface="Arial"/>
+                <a:ea typeface="DejaVu Sans"/>
               </a:rPr>
-              <a:t>Пример запуска скриптов для тестрование и “исходный код” одного и скрипта:</a:t>
+              <a:t>Список топиков в “kafdrop” полученый после запуска скриптов конфигурации</a:t>
             </a:r>
             <a:endParaRPr b="0" lang="en-US" sz="1000" spc="-1" strike="noStrike">
               <a:solidFill>
@@ -14310,29 +13607,6 @@
           </a:p>
         </p:txBody>
       </p:sp>
-      <p:pic>
-        <p:nvPicPr>
-          <p:cNvPr id="252" name="" descr=""/>
-          <p:cNvPicPr/>
-          <p:nvPr/>
-        </p:nvPicPr>
-        <p:blipFill>
-          <a:blip r:embed="rId2"/>
-          <a:stretch/>
-        </p:blipFill>
-        <p:spPr>
-          <a:xfrm>
-            <a:off x="3269520" y="415080"/>
-            <a:ext cx="5026680" cy="4429080"/>
-          </a:xfrm>
-          <a:prstGeom prst="rect">
-            <a:avLst/>
-          </a:prstGeom>
-          <a:ln w="0">
-            <a:noFill/>
-          </a:ln>
-        </p:spPr>
-      </p:pic>
     </p:spTree>
   </p:cSld>
   <mc:AlternateContent>
@@ -14365,7 +13639,7 @@
       </p:grpSpPr>
       <p:pic>
         <p:nvPicPr>
-          <p:cNvPr id="253" name="" descr=""/>
+          <p:cNvPr id="257" name="" descr=""/>
           <p:cNvPicPr/>
           <p:nvPr/>
         </p:nvPicPr>
@@ -14375,8 +13649,8 @@
         </p:blipFill>
         <p:spPr>
           <a:xfrm>
-            <a:off x="2041560" y="291240"/>
-            <a:ext cx="4646880" cy="4611600"/>
+            <a:off x="952560" y="746640"/>
+            <a:ext cx="6885720" cy="3924360"/>
           </a:xfrm>
           <a:prstGeom prst="rect">
             <a:avLst/>
@@ -14388,14 +13662,14 @@
       </p:pic>
       <p:sp>
         <p:nvSpPr>
-          <p:cNvPr id="254" name=""/>
+          <p:cNvPr id="258" name=""/>
           <p:cNvSpPr/>
           <p:nvPr/>
         </p:nvSpPr>
         <p:spPr>
-          <a:xfrm>
-            <a:off x="1371600" y="1954080"/>
-            <a:ext cx="610560" cy="134280"/>
+          <a:xfrm flipV="1">
+            <a:off x="3010320" y="2589120"/>
+            <a:ext cx="646920" cy="1257840"/>
           </a:xfrm>
           <a:prstGeom prst="line">
             <a:avLst/>
@@ -14430,23 +13704,21 @@
       </p:sp>
       <p:sp>
         <p:nvSpPr>
-          <p:cNvPr id="255" name=""/>
+          <p:cNvPr id="259" name=""/>
           <p:cNvSpPr/>
           <p:nvPr/>
         </p:nvSpPr>
         <p:spPr>
           <a:xfrm>
-            <a:off x="1379880" y="2185920"/>
-            <a:ext cx="602280" cy="100080"/>
-          </a:xfrm>
-          <a:prstGeom prst="line">
-            <a:avLst/>
-          </a:prstGeom>
-          <a:ln w="0">
-            <a:solidFill>
-              <a:srgbClr val="ff0000"/>
-            </a:solidFill>
-            <a:tailEnd len="med" type="triangle" w="med"/>
+            <a:off x="1455840" y="272160"/>
+            <a:ext cx="5650920" cy="271080"/>
+          </a:xfrm>
+          <a:prstGeom prst="rect">
+            <a:avLst/>
+          </a:prstGeom>
+          <a:noFill/>
+          <a:ln w="0">
+            <a:noFill/>
           </a:ln>
         </p:spPr>
         <p:style>
@@ -14456,172 +13728,6 @@
           <a:fontRef idx="minor"/>
         </p:style>
         <p:txBody>
-          <a:bodyPr lIns="90000" rIns="90000" tIns="45000" bIns="45000" anchor="ctr" anchorCtr="1">
-            <a:noAutofit/>
-          </a:bodyPr>
-          <a:p>
-            <a:endParaRPr b="0" lang="en-US" sz="1000" spc="-1" strike="noStrike">
-              <a:solidFill>
-                <a:srgbClr val="000000"/>
-              </a:solidFill>
-              <a:latin typeface="Arial"/>
-              <a:ea typeface="DejaVu Sans"/>
-            </a:endParaRPr>
-          </a:p>
-        </p:txBody>
-      </p:sp>
-      <p:sp>
-        <p:nvSpPr>
-          <p:cNvPr id="256" name=""/>
-          <p:cNvSpPr/>
-          <p:nvPr/>
-        </p:nvSpPr>
-        <p:spPr>
-          <a:xfrm>
-            <a:off x="1398240" y="2607480"/>
-            <a:ext cx="583920" cy="73080"/>
-          </a:xfrm>
-          <a:prstGeom prst="line">
-            <a:avLst/>
-          </a:prstGeom>
-          <a:ln w="0">
-            <a:solidFill>
-              <a:srgbClr val="ff0000"/>
-            </a:solidFill>
-            <a:tailEnd len="med" type="triangle" w="med"/>
-          </a:ln>
-        </p:spPr>
-        <p:style>
-          <a:lnRef idx="0"/>
-          <a:fillRef idx="0"/>
-          <a:effectRef idx="0"/>
-          <a:fontRef idx="minor"/>
-        </p:style>
-        <p:txBody>
-          <a:bodyPr lIns="90000" rIns="90000" tIns="28080" bIns="28080" anchor="ctr" anchorCtr="1">
-            <a:noAutofit/>
-          </a:bodyPr>
-          <a:p>
-            <a:endParaRPr b="0" lang="en-US" sz="1000" spc="-1" strike="noStrike">
-              <a:solidFill>
-                <a:srgbClr val="000000"/>
-              </a:solidFill>
-              <a:latin typeface="Arial"/>
-              <a:ea typeface="DejaVu Sans"/>
-            </a:endParaRPr>
-          </a:p>
-        </p:txBody>
-      </p:sp>
-      <p:sp>
-        <p:nvSpPr>
-          <p:cNvPr id="257" name=""/>
-          <p:cNvSpPr/>
-          <p:nvPr/>
-        </p:nvSpPr>
-        <p:spPr>
-          <a:xfrm>
-            <a:off x="1373760" y="3333960"/>
-            <a:ext cx="608400" cy="95040"/>
-          </a:xfrm>
-          <a:prstGeom prst="line">
-            <a:avLst/>
-          </a:prstGeom>
-          <a:ln w="0">
-            <a:solidFill>
-              <a:srgbClr val="ff0000"/>
-            </a:solidFill>
-            <a:tailEnd len="med" type="triangle" w="med"/>
-          </a:ln>
-        </p:spPr>
-        <p:style>
-          <a:lnRef idx="0"/>
-          <a:fillRef idx="0"/>
-          <a:effectRef idx="0"/>
-          <a:fontRef idx="minor"/>
-        </p:style>
-        <p:txBody>
-          <a:bodyPr lIns="90000" rIns="90000" tIns="45000" bIns="45000" anchor="ctr" anchorCtr="1">
-            <a:noAutofit/>
-          </a:bodyPr>
-          <a:p>
-            <a:endParaRPr b="0" lang="en-US" sz="1000" spc="-1" strike="noStrike">
-              <a:solidFill>
-                <a:srgbClr val="000000"/>
-              </a:solidFill>
-              <a:latin typeface="Arial"/>
-              <a:ea typeface="DejaVu Sans"/>
-            </a:endParaRPr>
-          </a:p>
-        </p:txBody>
-      </p:sp>
-      <p:sp>
-        <p:nvSpPr>
-          <p:cNvPr id="258" name=""/>
-          <p:cNvSpPr/>
-          <p:nvPr/>
-        </p:nvSpPr>
-        <p:spPr>
-          <a:xfrm>
-            <a:off x="1371600" y="4114800"/>
-            <a:ext cx="610560" cy="92160"/>
-          </a:xfrm>
-          <a:prstGeom prst="line">
-            <a:avLst/>
-          </a:prstGeom>
-          <a:ln w="0">
-            <a:solidFill>
-              <a:srgbClr val="ff0000"/>
-            </a:solidFill>
-            <a:tailEnd len="med" type="triangle" w="med"/>
-          </a:ln>
-        </p:spPr>
-        <p:style>
-          <a:lnRef idx="0"/>
-          <a:fillRef idx="0"/>
-          <a:effectRef idx="0"/>
-          <a:fontRef idx="minor"/>
-        </p:style>
-        <p:txBody>
-          <a:bodyPr lIns="90000" rIns="90000" tIns="45000" bIns="45000" anchor="ctr" anchorCtr="1">
-            <a:noAutofit/>
-          </a:bodyPr>
-          <a:p>
-            <a:endParaRPr b="0" lang="en-US" sz="1000" spc="-1" strike="noStrike">
-              <a:solidFill>
-                <a:srgbClr val="000000"/>
-              </a:solidFill>
-              <a:latin typeface="Arial"/>
-              <a:ea typeface="DejaVu Sans"/>
-            </a:endParaRPr>
-          </a:p>
-        </p:txBody>
-      </p:sp>
-      <p:sp>
-        <p:nvSpPr>
-          <p:cNvPr id="259" name=""/>
-          <p:cNvSpPr/>
-          <p:nvPr/>
-        </p:nvSpPr>
-        <p:spPr>
-          <a:xfrm>
-            <a:off x="1364040" y="0"/>
-            <a:ext cx="7641720" cy="271800"/>
-          </a:xfrm>
-          <a:prstGeom prst="rect">
-            <a:avLst/>
-          </a:prstGeom>
-          <a:noFill/>
-          <a:ln w="0">
-            <a:noFill/>
-          </a:ln>
-        </p:spPr>
-        <p:style>
-          <a:lnRef idx="0"/>
-          <a:fillRef idx="0"/>
-          <a:effectRef idx="0"/>
-          <a:fontRef idx="minor"/>
-        </p:style>
-        <p:txBody>
           <a:bodyPr lIns="90000" rIns="90000" tIns="45000" bIns="45000" anchor="t">
             <a:noAutofit/>
           </a:bodyPr>
@@ -14637,8 +13743,9 @@
                   <a:srgbClr val="000000"/>
                 </a:solidFill>
                 <a:latin typeface="Arial"/>
+                <a:ea typeface="DejaVu Sans"/>
               </a:rPr>
-              <a:t>Список топиков в “kafdrop” полученый после запуска скриптов конфигурации</a:t>
+              <a:t>Проверка “keycloak”, что модуль отправки событий в kafka подключен:</a:t>
             </a:r>
             <a:endParaRPr b="0" lang="en-US" sz="1000" spc="-1" strike="noStrike">
               <a:solidFill>
@@ -14691,8 +13798,8 @@
         </p:blipFill>
         <p:spPr>
           <a:xfrm>
-            <a:off x="952560" y="746640"/>
-            <a:ext cx="6886440" cy="3925080"/>
+            <a:off x="220320" y="424800"/>
+            <a:ext cx="2682000" cy="667440"/>
           </a:xfrm>
           <a:prstGeom prst="rect">
             <a:avLst/>
@@ -14709,18 +13816,16 @@
           <p:nvPr/>
         </p:nvSpPr>
         <p:spPr>
-          <a:xfrm flipV="1">
-            <a:off x="3010320" y="2589120"/>
-            <a:ext cx="646920" cy="1257840"/>
-          </a:xfrm>
-          <a:prstGeom prst="line">
-            <a:avLst/>
-          </a:prstGeom>
-          <a:ln w="0">
-            <a:solidFill>
-              <a:srgbClr val="ff0000"/>
-            </a:solidFill>
-            <a:tailEnd len="med" type="triangle" w="med"/>
+          <a:xfrm>
+            <a:off x="654480" y="56160"/>
+            <a:ext cx="7641000" cy="656640"/>
+          </a:xfrm>
+          <a:prstGeom prst="rect">
+            <a:avLst/>
+          </a:prstGeom>
+          <a:noFill/>
+          <a:ln w="0">
+            <a:noFill/>
           </a:ln>
         </p:spPr>
         <p:style>
@@ -14730,46 +13835,6 @@
           <a:fontRef idx="minor"/>
         </p:style>
         <p:txBody>
-          <a:bodyPr lIns="90000" rIns="90000" tIns="45000" bIns="45000" anchor="ctr" anchorCtr="1">
-            <a:noAutofit/>
-          </a:bodyPr>
-          <a:p>
-            <a:endParaRPr b="0" lang="en-US" sz="1000" spc="-1" strike="noStrike">
-              <a:solidFill>
-                <a:srgbClr val="000000"/>
-              </a:solidFill>
-              <a:latin typeface="Arial"/>
-              <a:ea typeface="DejaVu Sans"/>
-            </a:endParaRPr>
-          </a:p>
-        </p:txBody>
-      </p:sp>
-      <p:sp>
-        <p:nvSpPr>
-          <p:cNvPr id="262" name=""/>
-          <p:cNvSpPr/>
-          <p:nvPr/>
-        </p:nvSpPr>
-        <p:spPr>
-          <a:xfrm>
-            <a:off x="1455840" y="272160"/>
-            <a:ext cx="5651640" cy="271800"/>
-          </a:xfrm>
-          <a:prstGeom prst="rect">
-            <a:avLst/>
-          </a:prstGeom>
-          <a:noFill/>
-          <a:ln w="0">
-            <a:noFill/>
-          </a:ln>
-        </p:spPr>
-        <p:style>
-          <a:lnRef idx="0"/>
-          <a:fillRef idx="0"/>
-          <a:effectRef idx="0"/>
-          <a:fontRef idx="minor"/>
-        </p:style>
-        <p:txBody>
           <a:bodyPr lIns="90000" rIns="90000" tIns="45000" bIns="45000" anchor="t">
             <a:noAutofit/>
           </a:bodyPr>
@@ -14785,8 +13850,9 @@
                   <a:srgbClr val="000000"/>
                 </a:solidFill>
                 <a:latin typeface="Arial"/>
+                <a:ea typeface="DejaVu Sans"/>
               </a:rPr>
-              <a:t>Проверка “keycloak”, что модуль отправки событий в kafka подключен:</a:t>
+              <a:t>Пример запуска скриптов для тестрование и “исходный код” одного и скрипта:</a:t>
             </a:r>
             <a:endParaRPr b="0" lang="en-US" sz="1000" spc="-1" strike="noStrike">
               <a:solidFill>
@@ -14797,6 +13863,29 @@
           </a:p>
         </p:txBody>
       </p:sp>
+      <p:pic>
+        <p:nvPicPr>
+          <p:cNvPr id="262" name="" descr=""/>
+          <p:cNvPicPr/>
+          <p:nvPr/>
+        </p:nvPicPr>
+        <p:blipFill>
+          <a:blip r:embed="rId2"/>
+          <a:stretch/>
+        </p:blipFill>
+        <p:spPr>
+          <a:xfrm>
+            <a:off x="3269520" y="415080"/>
+            <a:ext cx="5025960" cy="4428360"/>
+          </a:xfrm>
+          <a:prstGeom prst="rect">
+            <a:avLst/>
+          </a:prstGeom>
+          <a:ln w="0">
+            <a:noFill/>
+          </a:ln>
+        </p:spPr>
+      </p:pic>
     </p:spTree>
   </p:cSld>
   <mc:AlternateContent>
@@ -14840,7 +13929,7 @@
         <p:spPr>
           <a:xfrm>
             <a:off x="68760" y="1467720"/>
-            <a:ext cx="4822560" cy="3313800"/>
+            <a:ext cx="4821840" cy="3313080"/>
           </a:xfrm>
           <a:prstGeom prst="rect">
             <a:avLst/>
@@ -14863,7 +13952,7 @@
         <p:spPr>
           <a:xfrm>
             <a:off x="3724560" y="450720"/>
-            <a:ext cx="5165640" cy="4013280"/>
+            <a:ext cx="5164920" cy="4012560"/>
           </a:xfrm>
           <a:prstGeom prst="rect">
             <a:avLst/>
@@ -14882,7 +13971,7 @@
         <p:spPr>
           <a:xfrm>
             <a:off x="1436400" y="131400"/>
-            <a:ext cx="7641720" cy="271800"/>
+            <a:ext cx="7641000" cy="271080"/>
           </a:xfrm>
           <a:prstGeom prst="rect">
             <a:avLst/>
@@ -14914,6 +14003,7 @@
                   <a:srgbClr val="000000"/>
                 </a:solidFill>
                 <a:latin typeface="Arial"/>
+                <a:ea typeface="DejaVu Sans"/>
               </a:rPr>
               <a:t>Запуск скрипта для проверки “подбора пользователя”</a:t>
             </a:r>
@@ -14969,7 +14059,7 @@
         <p:spPr>
           <a:xfrm>
             <a:off x="766800" y="1805040"/>
-            <a:ext cx="7934040" cy="1294200"/>
+            <a:ext cx="7933320" cy="1293480"/>
           </a:xfrm>
           <a:prstGeom prst="rect">
             <a:avLst/>
@@ -15052,7 +14142,7 @@
         <p:spPr>
           <a:xfrm>
             <a:off x="857160" y="3516120"/>
-            <a:ext cx="525240" cy="525240"/>
+            <a:ext cx="524520" cy="524520"/>
           </a:xfrm>
           <a:prstGeom prst="rect">
             <a:avLst/>
@@ -15075,7 +14165,7 @@
         <p:spPr>
           <a:xfrm>
             <a:off x="1584720" y="3516120"/>
-            <a:ext cx="525240" cy="525240"/>
+            <a:ext cx="524520" cy="524520"/>
           </a:xfrm>
           <a:prstGeom prst="rect">
             <a:avLst/>
@@ -15128,7 +14218,7 @@
         <p:spPr>
           <a:xfrm>
             <a:off x="4176360" y="593640"/>
-            <a:ext cx="4811760" cy="4097520"/>
+            <a:ext cx="4811040" cy="4096800"/>
           </a:xfrm>
           <a:prstGeom prst="rect">
             <a:avLst/>
@@ -15147,7 +14237,7 @@
         <p:spPr>
           <a:xfrm>
             <a:off x="1436400" y="131400"/>
-            <a:ext cx="7641720" cy="271800"/>
+            <a:ext cx="7641000" cy="271080"/>
           </a:xfrm>
           <a:prstGeom prst="rect">
             <a:avLst/>
@@ -15179,6 +14269,7 @@
                   <a:srgbClr val="000000"/>
                 </a:solidFill>
                 <a:latin typeface="Arial"/>
+                <a:ea typeface="DejaVu Sans"/>
               </a:rPr>
               <a:t>Проверка содержимого топика “malicious-user-not-found”:</a:t>
             </a:r>
@@ -15234,7 +14325,7 @@
         <p:spPr>
           <a:xfrm>
             <a:off x="92880" y="2059200"/>
-            <a:ext cx="5454360" cy="2868480"/>
+            <a:ext cx="5453640" cy="2867760"/>
           </a:xfrm>
           <a:prstGeom prst="rect">
             <a:avLst/>
@@ -15257,7 +14348,7 @@
         <p:spPr>
           <a:xfrm>
             <a:off x="3394800" y="340200"/>
-            <a:ext cx="5388840" cy="4453560"/>
+            <a:ext cx="5388120" cy="4452840"/>
           </a:xfrm>
           <a:prstGeom prst="rect">
             <a:avLst/>
@@ -15276,7 +14367,7 @@
         <p:spPr>
           <a:xfrm>
             <a:off x="1988280" y="92160"/>
-            <a:ext cx="7641720" cy="271800"/>
+            <a:ext cx="7641000" cy="271080"/>
           </a:xfrm>
           <a:prstGeom prst="rect">
             <a:avLst/>
@@ -15308,6 +14399,7 @@
                   <a:srgbClr val="000000"/>
                 </a:solidFill>
                 <a:latin typeface="Arial"/>
+                <a:ea typeface="DejaVu Sans"/>
               </a:rPr>
               <a:t>Запуск скрипта для проверки “подбора пароля”</a:t>
             </a:r>
@@ -15363,7 +14455,7 @@
         <p:spPr>
           <a:xfrm>
             <a:off x="3627720" y="548280"/>
-            <a:ext cx="5358600" cy="4078800"/>
+            <a:ext cx="5357880" cy="4078080"/>
           </a:xfrm>
           <a:prstGeom prst="rect">
             <a:avLst/>
@@ -15382,7 +14474,7 @@
         <p:spPr>
           <a:xfrm>
             <a:off x="1436400" y="131400"/>
-            <a:ext cx="7641720" cy="271800"/>
+            <a:ext cx="7641000" cy="271080"/>
           </a:xfrm>
           <a:prstGeom prst="rect">
             <a:avLst/>
@@ -15414,6 +14506,7 @@
                   <a:srgbClr val="000000"/>
                 </a:solidFill>
                 <a:latin typeface="Arial"/>
+                <a:ea typeface="DejaVu Sans"/>
               </a:rPr>
               <a:t>Проверка содержимого топика “malicious-invalid-user-credentials”:</a:t>
             </a:r>
@@ -15469,7 +14562,7 @@
         <p:spPr>
           <a:xfrm>
             <a:off x="280800" y="1297080"/>
-            <a:ext cx="4643280" cy="3624840"/>
+            <a:ext cx="4642560" cy="3624120"/>
           </a:xfrm>
           <a:prstGeom prst="rect">
             <a:avLst/>
@@ -15492,7 +14585,7 @@
         <p:spPr>
           <a:xfrm>
             <a:off x="3634560" y="447840"/>
-            <a:ext cx="5310000" cy="4230000"/>
+            <a:ext cx="5309280" cy="4229280"/>
           </a:xfrm>
           <a:prstGeom prst="rect">
             <a:avLst/>
@@ -15511,7 +14604,7 @@
         <p:spPr>
           <a:xfrm>
             <a:off x="1988280" y="92160"/>
-            <a:ext cx="7641720" cy="271800"/>
+            <a:ext cx="7641000" cy="271080"/>
           </a:xfrm>
           <a:prstGeom prst="rect">
             <a:avLst/>
@@ -15543,6 +14636,7 @@
                   <a:srgbClr val="000000"/>
                 </a:solidFill>
                 <a:latin typeface="Arial"/>
+                <a:ea typeface="DejaVu Sans"/>
               </a:rPr>
               <a:t>Запуск скрипта для проверки “новой локации пользователя”</a:t>
             </a:r>
@@ -15598,7 +14692,7 @@
         <p:spPr>
           <a:xfrm>
             <a:off x="210960" y="940680"/>
-            <a:ext cx="4848120" cy="4105440"/>
+            <a:ext cx="4847400" cy="4104720"/>
           </a:xfrm>
           <a:prstGeom prst="rect">
             <a:avLst/>
@@ -15621,7 +14715,7 @@
         <p:spPr>
           <a:xfrm>
             <a:off x="4084920" y="198720"/>
-            <a:ext cx="4926960" cy="4512600"/>
+            <a:ext cx="4926240" cy="4511880"/>
           </a:xfrm>
           <a:prstGeom prst="rect">
             <a:avLst/>
@@ -15640,7 +14734,7 @@
         <p:spPr>
           <a:xfrm>
             <a:off x="234000" y="65880"/>
-            <a:ext cx="3850560" cy="373680"/>
+            <a:ext cx="3849840" cy="372960"/>
           </a:xfrm>
           <a:prstGeom prst="rect">
             <a:avLst/>
@@ -15672,6 +14766,7 @@
                   <a:srgbClr val="000000"/>
                 </a:solidFill>
                 <a:latin typeface="Arial"/>
+                <a:ea typeface="DejaVu Sans"/>
               </a:rPr>
               <a:t>Проверка содержимого топиков “new-user-location” и “known-user-location”:</a:t>
             </a:r>
@@ -15727,7 +14822,7 @@
         <p:spPr>
           <a:xfrm>
             <a:off x="2332080" y="268200"/>
-            <a:ext cx="6450480" cy="4568040"/>
+            <a:ext cx="6449760" cy="4567320"/>
           </a:xfrm>
           <a:prstGeom prst="rect">
             <a:avLst/>
@@ -15746,7 +14841,7 @@
         <p:spPr>
           <a:xfrm>
             <a:off x="234360" y="66240"/>
-            <a:ext cx="6964920" cy="373680"/>
+            <a:ext cx="6964200" cy="372960"/>
           </a:xfrm>
           <a:prstGeom prst="rect">
             <a:avLst/>
@@ -15778,6 +14873,7 @@
                   <a:srgbClr val="000000"/>
                 </a:solidFill>
                 <a:latin typeface="Arial"/>
+                <a:ea typeface="DejaVu Sans"/>
               </a:rPr>
               <a:t>Используя “KsqlDB” создаем новый stream “TEST_DELETES” из топика “known-user-location”</a:t>
             </a:r>
@@ -15833,7 +14929,7 @@
         <p:spPr>
           <a:xfrm>
             <a:off x="992880" y="904320"/>
-            <a:ext cx="8028000" cy="3545280"/>
+            <a:ext cx="8027280" cy="3544560"/>
           </a:xfrm>
           <a:prstGeom prst="rect">
             <a:avLst/>
@@ -15852,7 +14948,7 @@
         <p:spPr>
           <a:xfrm>
             <a:off x="523440" y="296640"/>
-            <a:ext cx="8475840" cy="515520"/>
+            <a:ext cx="8475120" cy="514800"/>
           </a:xfrm>
           <a:prstGeom prst="rect">
             <a:avLst/>
@@ -15884,6 +14980,7 @@
                   <a:srgbClr val="000000"/>
                 </a:solidFill>
                 <a:latin typeface="Arial"/>
+                <a:ea typeface="DejaVu Sans"/>
               </a:rPr>
               <a:t>Используя stream “TEST_DELETES” вставляем в топик “known-user-location” “tombstone” сообщение для локации с IP=10.90.99.2</a:t>
             </a:r>
@@ -15942,7 +15039,7 @@
         <p:spPr>
           <a:xfrm>
             <a:off x="152640" y="927000"/>
-            <a:ext cx="5010840" cy="4140360"/>
+            <a:ext cx="5010120" cy="4139640"/>
           </a:xfrm>
           <a:prstGeom prst="rect">
             <a:avLst/>
@@ -15965,7 +15062,7 @@
         <p:spPr>
           <a:xfrm>
             <a:off x="4318920" y="104760"/>
-            <a:ext cx="4717080" cy="2922840"/>
+            <a:ext cx="4716360" cy="2922120"/>
           </a:xfrm>
           <a:prstGeom prst="rect">
             <a:avLst/>
@@ -15984,7 +15081,7 @@
         <p:spPr>
           <a:xfrm>
             <a:off x="228240" y="139320"/>
-            <a:ext cx="3969000" cy="657360"/>
+            <a:ext cx="3968280" cy="656640"/>
           </a:xfrm>
           <a:prstGeom prst="rect">
             <a:avLst/>
@@ -16016,6 +15113,7 @@
                   <a:srgbClr val="000000"/>
                 </a:solidFill>
                 <a:latin typeface="Arial"/>
+                <a:ea typeface="DejaVu Sans"/>
               </a:rPr>
               <a:t>Повторно запустив скрипт для “тестирования новых локаций” успешно получили повторное появление сообщения для локации с IP=10.90.99.2</a:t>
             </a:r>
@@ -16074,7 +15172,7 @@
         <p:spPr>
           <a:xfrm>
             <a:off x="572400" y="343440"/>
-            <a:ext cx="7881840" cy="4404600"/>
+            <a:ext cx="7881120" cy="4403880"/>
           </a:xfrm>
           <a:prstGeom prst="rect">
             <a:avLst/>
@@ -16093,7 +15191,7 @@
         <p:spPr>
           <a:xfrm>
             <a:off x="911160" y="54360"/>
-            <a:ext cx="8830080" cy="657360"/>
+            <a:ext cx="8829360" cy="656640"/>
           </a:xfrm>
           <a:prstGeom prst="rect">
             <a:avLst/>
@@ -16125,6 +15223,7 @@
                   <a:srgbClr val="000000"/>
                 </a:solidFill>
                 <a:latin typeface="Arial"/>
+                <a:ea typeface="DejaVu Sans"/>
               </a:rPr>
               <a:t>Проверка интеграции Kafka + Kafka-Connect + ELK для визуализации событий топика “keycloak-events”:</a:t>
             </a:r>
@@ -16183,7 +15282,7 @@
         <p:spPr>
           <a:xfrm>
             <a:off x="178560" y="133920"/>
-            <a:ext cx="8519040" cy="1094400"/>
+            <a:ext cx="8518320" cy="1093680"/>
           </a:xfrm>
           <a:prstGeom prst="rect">
             <a:avLst/>
@@ -16798,7 +15897,7 @@
                           </a:solidFill>
                           <a:latin typeface="Arial"/>
                         </a:rPr>
-                        <a:t>Попробовать исбользовать внешнюю БД + debezium, для формирования топика “known-user-location”</a:t>
+                        <a:t>Попробовать использовать внешнюю БД + debezium, для формирования топика “known-user-location”</a:t>
                       </a:r>
                       <a:endParaRPr b="0" lang="en-US" sz="1800" spc="-1" strike="noStrike">
                         <a:solidFill>
@@ -16924,7 +16023,7 @@
         <p:spPr>
           <a:xfrm>
             <a:off x="139680" y="2518560"/>
-            <a:ext cx="8519040" cy="1094400"/>
+            <a:ext cx="8518320" cy="1093680"/>
           </a:xfrm>
           <a:prstGeom prst="rect">
             <a:avLst/>
@@ -17027,7 +16126,7 @@
         <p:spPr>
           <a:xfrm>
             <a:off x="630000" y="2716200"/>
-            <a:ext cx="1032480" cy="1982160"/>
+            <a:ext cx="1031760" cy="1981440"/>
           </a:xfrm>
           <a:prstGeom prst="rect">
             <a:avLst/>
@@ -17081,7 +16180,7 @@
         <p:spPr>
           <a:xfrm>
             <a:off x="500400" y="228600"/>
-            <a:ext cx="8519040" cy="1840320"/>
+            <a:ext cx="8518320" cy="1839600"/>
           </a:xfrm>
           <a:prstGeom prst="rect">
             <a:avLst/>
@@ -17149,7 +16248,27 @@
                 <a:latin typeface="Roboto"/>
                 <a:ea typeface="Roboto"/>
               </a:rPr>
-              <a:t>Применение kafka-streams и kafka-connect для детектирования мошеннической активности в событиях Keycloak</a:t>
+              <a:t>Применение kafka-streams и kafka-connect для </a:t>
+            </a:r>
+            <a:r>
+              <a:rPr b="1" lang="ru" sz="2600" spc="-1" strike="noStrike">
+                <a:solidFill>
+                  <a:schemeClr val="dk1"/>
+                </a:solidFill>
+                <a:latin typeface="Roboto"/>
+                <a:ea typeface="Roboto"/>
+              </a:rPr>
+              <a:t>детектирования мошеннической активности в </a:t>
+            </a:r>
+            <a:r>
+              <a:rPr b="1" lang="ru" sz="2600" spc="-1" strike="noStrike">
+                <a:solidFill>
+                  <a:schemeClr val="dk1"/>
+                </a:solidFill>
+                <a:latin typeface="Roboto"/>
+                <a:ea typeface="Roboto"/>
+              </a:rPr>
+              <a:t>событиях Keycloak</a:t>
             </a:r>
             <a:br>
               <a:rPr sz="3000"/>
@@ -17182,7 +16301,7 @@
         <p:spPr>
           <a:xfrm>
             <a:off x="3135600" y="2979000"/>
-            <a:ext cx="1895760" cy="586080"/>
+            <a:ext cx="1895040" cy="585360"/>
           </a:xfrm>
           <a:prstGeom prst="rect">
             <a:avLst/>
@@ -17238,7 +16357,7 @@
         <p:spPr>
           <a:xfrm>
             <a:off x="3135600" y="3657600"/>
-            <a:ext cx="5855040" cy="1031400"/>
+            <a:ext cx="5854320" cy="1030680"/>
           </a:xfrm>
           <a:prstGeom prst="rect">
             <a:avLst/>
@@ -17270,7 +16389,107 @@
                 <a:latin typeface="Roboto"/>
                 <a:ea typeface="Roboto"/>
               </a:rPr>
-              <a:t>DevOps инженер</a:t>
+              <a:t>D</a:t>
+            </a:r>
+            <a:r>
+              <a:rPr b="0" lang="ru" sz="1400" spc="-1" strike="noStrike">
+                <a:solidFill>
+                  <a:schemeClr val="dk1"/>
+                </a:solidFill>
+                <a:latin typeface="Roboto"/>
+                <a:ea typeface="Roboto"/>
+              </a:rPr>
+              <a:t>ev</a:t>
+            </a:r>
+            <a:r>
+              <a:rPr b="0" lang="ru" sz="1400" spc="-1" strike="noStrike">
+                <a:solidFill>
+                  <a:schemeClr val="dk1"/>
+                </a:solidFill>
+                <a:latin typeface="Roboto"/>
+                <a:ea typeface="Roboto"/>
+              </a:rPr>
+              <a:t>O</a:t>
+            </a:r>
+            <a:r>
+              <a:rPr b="0" lang="ru" sz="1400" spc="-1" strike="noStrike">
+                <a:solidFill>
+                  <a:schemeClr val="dk1"/>
+                </a:solidFill>
+                <a:latin typeface="Roboto"/>
+                <a:ea typeface="Roboto"/>
+              </a:rPr>
+              <a:t>ps </a:t>
+            </a:r>
+            <a:r>
+              <a:rPr b="0" lang="ru" sz="1400" spc="-1" strike="noStrike">
+                <a:solidFill>
+                  <a:schemeClr val="dk1"/>
+                </a:solidFill>
+                <a:latin typeface="Roboto"/>
+                <a:ea typeface="Roboto"/>
+              </a:rPr>
+              <a:t>и</a:t>
+            </a:r>
+            <a:r>
+              <a:rPr b="0" lang="ru" sz="1400" spc="-1" strike="noStrike">
+                <a:solidFill>
+                  <a:schemeClr val="dk1"/>
+                </a:solidFill>
+                <a:latin typeface="Roboto"/>
+                <a:ea typeface="Roboto"/>
+              </a:rPr>
+              <a:t>н</a:t>
+            </a:r>
+            <a:r>
+              <a:rPr b="0" lang="ru" sz="1400" spc="-1" strike="noStrike">
+                <a:solidFill>
+                  <a:schemeClr val="dk1"/>
+                </a:solidFill>
+                <a:latin typeface="Roboto"/>
+                <a:ea typeface="Roboto"/>
+              </a:rPr>
+              <a:t>ж</a:t>
+            </a:r>
+            <a:r>
+              <a:rPr b="0" lang="ru" sz="1400" spc="-1" strike="noStrike">
+                <a:solidFill>
+                  <a:schemeClr val="dk1"/>
+                </a:solidFill>
+                <a:latin typeface="Roboto"/>
+                <a:ea typeface="Roboto"/>
+              </a:rPr>
+              <a:t>е</a:t>
+            </a:r>
+            <a:r>
+              <a:rPr b="0" lang="ru" sz="1400" spc="-1" strike="noStrike">
+                <a:solidFill>
+                  <a:schemeClr val="dk1"/>
+                </a:solidFill>
+                <a:latin typeface="Roboto"/>
+                <a:ea typeface="Roboto"/>
+              </a:rPr>
+              <a:t>н</a:t>
+            </a:r>
+            <a:r>
+              <a:rPr b="0" lang="ru" sz="1400" spc="-1" strike="noStrike">
+                <a:solidFill>
+                  <a:schemeClr val="dk1"/>
+                </a:solidFill>
+                <a:latin typeface="Roboto"/>
+                <a:ea typeface="Roboto"/>
+              </a:rPr>
+              <a:t>е</a:t>
+            </a:r>
+            <a:r>
+              <a:rPr b="0" lang="ru" sz="1400" spc="-1" strike="noStrike">
+                <a:solidFill>
+                  <a:schemeClr val="dk1"/>
+                </a:solidFill>
+                <a:latin typeface="Roboto"/>
+                <a:ea typeface="Roboto"/>
+              </a:rPr>
+              <a:t>р</a:t>
             </a:r>
             <a:endParaRPr b="0" lang="en-US" sz="1400" spc="-1" strike="noStrike">
               <a:solidFill>
@@ -17297,7 +16516,47 @@
                 <a:latin typeface="Roboto"/>
                 <a:ea typeface="Roboto"/>
               </a:rPr>
-              <a:t>РТК-ИТ</a:t>
+              <a:t>Р</a:t>
+            </a:r>
+            <a:r>
+              <a:rPr b="0" lang="ru" sz="1400" spc="-1" strike="noStrike">
+                <a:solidFill>
+                  <a:schemeClr val="dk1"/>
+                </a:solidFill>
+                <a:latin typeface="Roboto"/>
+                <a:ea typeface="Roboto"/>
+              </a:rPr>
+              <a:t>Т</a:t>
+            </a:r>
+            <a:r>
+              <a:rPr b="0" lang="ru" sz="1400" spc="-1" strike="noStrike">
+                <a:solidFill>
+                  <a:schemeClr val="dk1"/>
+                </a:solidFill>
+                <a:latin typeface="Roboto"/>
+                <a:ea typeface="Roboto"/>
+              </a:rPr>
+              <a:t>К-</a:t>
+            </a:r>
+            <a:r>
+              <a:rPr b="0" lang="ru" sz="1400" spc="-1" strike="noStrike">
+                <a:solidFill>
+                  <a:schemeClr val="dk1"/>
+                </a:solidFill>
+                <a:latin typeface="Roboto"/>
+                <a:ea typeface="Roboto"/>
+              </a:rPr>
+              <a:t>И</a:t>
+            </a:r>
+            <a:r>
+              <a:rPr b="0" lang="ru" sz="1400" spc="-1" strike="noStrike">
+                <a:solidFill>
+                  <a:schemeClr val="dk1"/>
+                </a:solidFill>
+                <a:latin typeface="Roboto"/>
+                <a:ea typeface="Roboto"/>
+              </a:rPr>
+              <a:t>Т</a:t>
             </a:r>
             <a:endParaRPr b="0" lang="en-US" sz="1400" spc="-1" strike="noStrike">
               <a:solidFill>
@@ -17317,7 +16576,7 @@
         <p:spPr>
           <a:xfrm>
             <a:off x="2338560" y="2647080"/>
-            <a:ext cx="360" cy="12960"/>
+            <a:ext cx="360" cy="12240"/>
           </a:xfrm>
           <a:prstGeom prst="smileyFace">
             <a:avLst>
@@ -17368,7 +16627,7 @@
         <p:spPr>
           <a:xfrm>
             <a:off x="887040" y="2955960"/>
-            <a:ext cx="1549800" cy="1372320"/>
+            <a:ext cx="1549080" cy="1371600"/>
           </a:xfrm>
           <a:prstGeom prst="diamond">
             <a:avLst/>
@@ -17451,7 +16710,7 @@
         <p:spPr>
           <a:xfrm>
             <a:off x="651600" y="396360"/>
-            <a:ext cx="7704720" cy="4089240"/>
+            <a:ext cx="7704000" cy="4088520"/>
           </a:xfrm>
           <a:prstGeom prst="rect">
             <a:avLst/>
@@ -17540,7 +16799,7 @@
         <p:spPr>
           <a:xfrm>
             <a:off x="500400" y="330840"/>
-            <a:ext cx="8519040" cy="1094400"/>
+            <a:ext cx="8518320" cy="1093680"/>
           </a:xfrm>
           <a:prstGeom prst="rect">
             <a:avLst/>
@@ -17572,7 +16831,117 @@
                 <a:latin typeface="Roboto"/>
                 <a:ea typeface="Roboto"/>
               </a:rPr>
-              <a:t>Цели проекта</a:t>
+              <a:t>Ц</a:t>
+            </a:r>
+            <a:r>
+              <a:rPr b="1" lang="ru" sz="3000" spc="-1" strike="noStrike">
+                <a:solidFill>
+                  <a:schemeClr val="dk1"/>
+                </a:solidFill>
+                <a:latin typeface="Roboto"/>
+                <a:ea typeface="Roboto"/>
+              </a:rPr>
+              <a:t>е</a:t>
+            </a:r>
+            <a:r>
+              <a:rPr b="1" lang="ru" sz="3000" spc="-1" strike="noStrike">
+                <a:solidFill>
+                  <a:schemeClr val="dk1"/>
+                </a:solidFill>
+                <a:latin typeface="Roboto"/>
+                <a:ea typeface="Roboto"/>
+              </a:rPr>
+              <a:t>л</a:t>
+            </a:r>
+            <a:r>
+              <a:rPr b="1" lang="ru" sz="3000" spc="-1" strike="noStrike">
+                <a:solidFill>
+                  <a:schemeClr val="dk1"/>
+                </a:solidFill>
+                <a:latin typeface="Roboto"/>
+                <a:ea typeface="Roboto"/>
+              </a:rPr>
+              <a:t>и</a:t>
+            </a:r>
+            <a:r>
+              <a:rPr b="1" lang="ru" sz="3000" spc="-1" strike="noStrike">
+                <a:solidFill>
+                  <a:schemeClr val="dk1"/>
+                </a:solidFill>
+                <a:latin typeface="Roboto"/>
+                <a:ea typeface="Roboto"/>
+              </a:rPr>
+              <a:t> </a:t>
+            </a:r>
+            <a:r>
+              <a:rPr b="1" lang="ru" sz="3000" spc="-1" strike="noStrike">
+                <a:solidFill>
+                  <a:schemeClr val="dk1"/>
+                </a:solidFill>
+                <a:latin typeface="Roboto"/>
+                <a:ea typeface="Roboto"/>
+              </a:rPr>
+              <a:t>п</a:t>
+            </a:r>
+            <a:r>
+              <a:rPr b="1" lang="ru" sz="3000" spc="-1" strike="noStrike">
+                <a:solidFill>
+                  <a:schemeClr val="dk1"/>
+                </a:solidFill>
+                <a:latin typeface="Roboto"/>
+                <a:ea typeface="Roboto"/>
+              </a:rPr>
+              <a:t>р</a:t>
+            </a:r>
+            <a:r>
+              <a:rPr b="1" lang="ru" sz="3000" spc="-1" strike="noStrike">
+                <a:solidFill>
+                  <a:schemeClr val="dk1"/>
+                </a:solidFill>
+                <a:latin typeface="Roboto"/>
+                <a:ea typeface="Roboto"/>
+              </a:rPr>
+              <a:t>о</a:t>
+            </a:r>
+            <a:r>
+              <a:rPr b="1" lang="ru" sz="3000" spc="-1" strike="noStrike">
+                <a:solidFill>
+                  <a:schemeClr val="dk1"/>
+                </a:solidFill>
+                <a:latin typeface="Roboto"/>
+                <a:ea typeface="Roboto"/>
+              </a:rPr>
+              <a:t>е</a:t>
+            </a:r>
+            <a:r>
+              <a:rPr b="1" lang="ru" sz="3000" spc="-1" strike="noStrike">
+                <a:solidFill>
+                  <a:schemeClr val="dk1"/>
+                </a:solidFill>
+                <a:latin typeface="Roboto"/>
+                <a:ea typeface="Roboto"/>
+              </a:rPr>
+              <a:t>к</a:t>
+            </a:r>
+            <a:r>
+              <a:rPr b="1" lang="ru" sz="3000" spc="-1" strike="noStrike">
+                <a:solidFill>
+                  <a:schemeClr val="dk1"/>
+                </a:solidFill>
+                <a:latin typeface="Roboto"/>
+                <a:ea typeface="Roboto"/>
+              </a:rPr>
+              <a:t>т</a:t>
+            </a:r>
+            <a:r>
+              <a:rPr b="1" lang="ru" sz="3000" spc="-1" strike="noStrike">
+                <a:solidFill>
+                  <a:schemeClr val="dk1"/>
+                </a:solidFill>
+                <a:latin typeface="Roboto"/>
+                <a:ea typeface="Roboto"/>
+              </a:rPr>
+              <a:t>а</a:t>
             </a:r>
             <a:endParaRPr b="0" lang="en-US" sz="3000" spc="-1" strike="noStrike">
               <a:solidFill>
@@ -17978,7 +17347,7 @@
         <p:spPr>
           <a:xfrm>
             <a:off x="500400" y="330840"/>
-            <a:ext cx="8519040" cy="1094400"/>
+            <a:ext cx="8518320" cy="1093680"/>
           </a:xfrm>
           <a:prstGeom prst="rect">
             <a:avLst/>
@@ -18566,7 +17935,7 @@
         <p:spPr>
           <a:xfrm>
             <a:off x="2837520" y="228600"/>
-            <a:ext cx="2804040" cy="637200"/>
+            <a:ext cx="2803320" cy="636480"/>
           </a:xfrm>
           <a:prstGeom prst="rect">
             <a:avLst/>
@@ -18656,7 +18025,7 @@
         <p:spPr>
           <a:xfrm>
             <a:off x="1355400" y="993600"/>
-            <a:ext cx="6143040" cy="2248920"/>
+            <a:ext cx="6142320" cy="2248200"/>
           </a:xfrm>
           <a:prstGeom prst="rect">
             <a:avLst/>
@@ -18675,7 +18044,7 @@
         <p:spPr>
           <a:xfrm>
             <a:off x="1874520" y="3346200"/>
-            <a:ext cx="5213880" cy="1385640"/>
+            <a:ext cx="5213160" cy="1384920"/>
           </a:xfrm>
           <a:prstGeom prst="rect">
             <a:avLst/>
@@ -18707,6 +18076,7 @@
                   <a:srgbClr val="000000"/>
                 </a:solidFill>
                 <a:latin typeface="Arial"/>
+                <a:ea typeface="DejaVu Sans"/>
               </a:rPr>
               <a:t>1. Все сервисы запускаются в docker-compose.</a:t>
             </a:r>
@@ -18729,6 +18099,7 @@
                   <a:srgbClr val="000000"/>
                 </a:solidFill>
                 <a:latin typeface="Arial"/>
+                <a:ea typeface="DejaVu Sans"/>
               </a:rPr>
               <a:t>2. Keycloak + модуль для отправки событий в Kafka</a:t>
             </a:r>
@@ -18751,6 +18122,7 @@
                   <a:srgbClr val="000000"/>
                 </a:solidFill>
                 <a:latin typeface="Arial"/>
+                <a:ea typeface="DejaVu Sans"/>
               </a:rPr>
               <a:t>3. Kafka-connect + elasticsearch + kibana для визуализации событий из keycloak</a:t>
             </a:r>
@@ -18773,6 +18145,7 @@
                   <a:srgbClr val="000000"/>
                 </a:solidFill>
                 <a:latin typeface="Arial"/>
+                <a:ea typeface="DejaVu Sans"/>
               </a:rPr>
               <a:t>4. Kafka-streams для детектирования аномальной активности:</a:t>
             </a:r>
@@ -18795,6 +18168,7 @@
                   <a:srgbClr val="000000"/>
                 </a:solidFill>
                 <a:latin typeface="Arial"/>
+                <a:ea typeface="DejaVu Sans"/>
               </a:rPr>
               <a:t>    </a:t>
             </a:r>
@@ -18804,6 +18178,7 @@
                   <a:srgbClr val="000000"/>
                 </a:solidFill>
                 <a:latin typeface="Arial"/>
+                <a:ea typeface="DejaVu Sans"/>
               </a:rPr>
               <a:t>. "подбор пользователя"</a:t>
             </a:r>
@@ -18826,6 +18201,7 @@
                   <a:srgbClr val="000000"/>
                 </a:solidFill>
                 <a:latin typeface="Arial"/>
+                <a:ea typeface="DejaVu Sans"/>
               </a:rPr>
               <a:t>    </a:t>
             </a:r>
@@ -18835,6 +18211,7 @@
                   <a:srgbClr val="000000"/>
                 </a:solidFill>
                 <a:latin typeface="Arial"/>
+                <a:ea typeface="DejaVu Sans"/>
               </a:rPr>
               <a:t>. "подбор пароля"</a:t>
             </a:r>
@@ -18857,6 +18234,7 @@
                   <a:srgbClr val="000000"/>
                 </a:solidFill>
                 <a:latin typeface="Arial"/>
+                <a:ea typeface="DejaVu Sans"/>
               </a:rPr>
               <a:t>    </a:t>
             </a:r>
@@ -18866,6 +18244,7 @@
                   <a:srgbClr val="000000"/>
                 </a:solidFill>
                 <a:latin typeface="Arial"/>
+                <a:ea typeface="DejaVu Sans"/>
               </a:rPr>
               <a:t>. "Успешное подключение с новой локации"</a:t>
             </a:r>
@@ -18888,6 +18267,7 @@
                   <a:srgbClr val="000000"/>
                 </a:solidFill>
                 <a:latin typeface="Arial"/>
+                <a:ea typeface="DejaVu Sans"/>
               </a:rPr>
               <a:t>5. Ksqldb для тестирования "удаления" записи из "таблицы локаций" </a:t>
             </a:r>
@@ -19976,7 +19356,7 @@
         <p:spPr>
           <a:xfrm>
             <a:off x="3449160" y="52920"/>
-            <a:ext cx="1352160" cy="231840"/>
+            <a:ext cx="1351440" cy="231120"/>
           </a:xfrm>
           <a:prstGeom prst="rect">
             <a:avLst/>
@@ -20008,6 +19388,7 @@
                   <a:srgbClr val="000000"/>
                 </a:solidFill>
                 <a:latin typeface="Arial"/>
+                <a:ea typeface="DejaVu Sans"/>
               </a:rPr>
               <a:t>Краткое описание:</a:t>
             </a:r>
@@ -20734,7 +20115,7 @@
         <p:spPr>
           <a:xfrm>
             <a:off x="3232800" y="118800"/>
-            <a:ext cx="2321640" cy="231840"/>
+            <a:ext cx="2320920" cy="231120"/>
           </a:xfrm>
           <a:prstGeom prst="rect">
             <a:avLst/>
@@ -20766,6 +20147,7 @@
                   <a:srgbClr val="000000"/>
                 </a:solidFill>
                 <a:latin typeface="Arial"/>
+                <a:ea typeface="DejaVu Sans"/>
               </a:rPr>
               <a:t>Краткое описание (продолжение):</a:t>
             </a:r>
@@ -20821,7 +20203,7 @@
         <p:spPr>
           <a:xfrm>
             <a:off x="552600" y="174960"/>
-            <a:ext cx="2495520" cy="4817160"/>
+            <a:ext cx="2494800" cy="4816440"/>
           </a:xfrm>
           <a:prstGeom prst="rect">
             <a:avLst/>
@@ -20840,7 +20222,7 @@
         <p:spPr>
           <a:xfrm>
             <a:off x="3449520" y="53280"/>
-            <a:ext cx="1402560" cy="231840"/>
+            <a:ext cx="1401840" cy="231120"/>
           </a:xfrm>
           <a:prstGeom prst="rect">
             <a:avLst/>
@@ -20872,6 +20254,7 @@
                   <a:srgbClr val="000000"/>
                 </a:solidFill>
                 <a:latin typeface="Arial"/>
+                <a:ea typeface="DejaVu Sans"/>
               </a:rPr>
               <a:t>Структура проекта:</a:t>
             </a:r>
@@ -21108,7 +20491,7 @@
         <p:spPr>
           <a:xfrm>
             <a:off x="4461480" y="520200"/>
-            <a:ext cx="2915640" cy="231840"/>
+            <a:ext cx="2914920" cy="231120"/>
           </a:xfrm>
           <a:prstGeom prst="rect">
             <a:avLst/>
@@ -21140,6 +20523,7 @@
                   <a:srgbClr val="000000"/>
                 </a:solidFill>
                 <a:latin typeface="Arial"/>
+                <a:ea typeface="DejaVu Sans"/>
               </a:rPr>
               <a:t>Dockerfile для билда и упаковки в контейнеры</a:t>
             </a:r>
@@ -21149,6 +20533,7 @@
                   <a:srgbClr val="000000"/>
                 </a:solidFill>
                 <a:latin typeface="Arial"/>
+                <a:ea typeface="DejaVu Sans"/>
               </a:rPr>
               <a:t> </a:t>
             </a:r>
@@ -21170,7 +20555,7 @@
         <p:spPr>
           <a:xfrm>
             <a:off x="4474800" y="822600"/>
-            <a:ext cx="1649520" cy="231840"/>
+            <a:ext cx="1648800" cy="231120"/>
           </a:xfrm>
           <a:prstGeom prst="rect">
             <a:avLst/>
@@ -21202,6 +20587,7 @@
                   <a:srgbClr val="000000"/>
                 </a:solidFill>
                 <a:latin typeface="Arial"/>
+                <a:ea typeface="DejaVu Sans"/>
               </a:rPr>
               <a:t>docker-compose проекта</a:t>
             </a:r>
@@ -21211,6 +20597,7 @@
                   <a:srgbClr val="000000"/>
                 </a:solidFill>
                 <a:latin typeface="Arial"/>
+                <a:ea typeface="DejaVu Sans"/>
               </a:rPr>
               <a:t> </a:t>
             </a:r>
@@ -21232,7 +20619,7 @@
         <p:spPr>
           <a:xfrm>
             <a:off x="4520880" y="1880640"/>
-            <a:ext cx="4214160" cy="231840"/>
+            <a:ext cx="4213440" cy="231120"/>
           </a:xfrm>
           <a:prstGeom prst="rect">
             <a:avLst/>
@@ -21264,6 +20651,7 @@
                   <a:srgbClr val="000000"/>
                 </a:solidFill>
                 <a:latin typeface="Arial"/>
+                <a:ea typeface="DejaVu Sans"/>
               </a:rPr>
               <a:t>Исходники детектора “мошеннической активности” на kafka-streams</a:t>
             </a:r>
@@ -21273,6 +20661,7 @@
                   <a:srgbClr val="000000"/>
                 </a:solidFill>
                 <a:latin typeface="Arial"/>
+                <a:ea typeface="DejaVu Sans"/>
               </a:rPr>
               <a:t> </a:t>
             </a:r>
@@ -21294,7 +20683,7 @@
         <p:spPr>
           <a:xfrm>
             <a:off x="4507560" y="3430800"/>
-            <a:ext cx="3441600" cy="231840"/>
+            <a:ext cx="3440880" cy="231120"/>
           </a:xfrm>
           <a:prstGeom prst="rect">
             <a:avLst/>
@@ -21326,6 +20715,7 @@
                   <a:srgbClr val="000000"/>
                 </a:solidFill>
                 <a:latin typeface="Arial"/>
+                <a:ea typeface="DejaVu Sans"/>
               </a:rPr>
               <a:t>Вспомогательный make файл, для основных операций</a:t>
             </a:r>
@@ -21335,6 +20725,7 @@
                   <a:srgbClr val="000000"/>
                 </a:solidFill>
                 <a:latin typeface="Arial"/>
+                <a:ea typeface="DejaVu Sans"/>
               </a:rPr>
               <a:t> </a:t>
             </a:r>
@@ -21356,7 +20747,7 @@
         <p:spPr>
           <a:xfrm>
             <a:off x="4501440" y="4173480"/>
-            <a:ext cx="1919160" cy="231840"/>
+            <a:ext cx="1918440" cy="231120"/>
           </a:xfrm>
           <a:prstGeom prst="rect">
             <a:avLst/>
@@ -21388,6 +20779,7 @@
                   <a:srgbClr val="000000"/>
                 </a:solidFill>
                 <a:latin typeface="Arial"/>
+                <a:ea typeface="DejaVu Sans"/>
               </a:rPr>
               <a:t>Скрипты основных операций</a:t>
             </a:r>
@@ -21397,6 +20789,7 @@
                   <a:srgbClr val="000000"/>
                 </a:solidFill>
                 <a:latin typeface="Arial"/>
+                <a:ea typeface="DejaVu Sans"/>
               </a:rPr>
               <a:t> </a:t>
             </a:r>
